--- a/Twitter and Politics.pptx
+++ b/Twitter and Politics.pptx
@@ -12,10 +12,15 @@
     <p:sldId id="260" r:id="rId6"/>
     <p:sldId id="266" r:id="rId7"/>
     <p:sldId id="261" r:id="rId8"/>
-    <p:sldId id="262" r:id="rId9"/>
-    <p:sldId id="263" r:id="rId10"/>
-    <p:sldId id="264" r:id="rId11"/>
-    <p:sldId id="265" r:id="rId12"/>
+    <p:sldId id="267" r:id="rId9"/>
+    <p:sldId id="268" r:id="rId10"/>
+    <p:sldId id="269" r:id="rId11"/>
+    <p:sldId id="270" r:id="rId12"/>
+    <p:sldId id="271" r:id="rId13"/>
+    <p:sldId id="262" r:id="rId14"/>
+    <p:sldId id="263" r:id="rId15"/>
+    <p:sldId id="264" r:id="rId16"/>
+    <p:sldId id="265" r:id="rId17"/>
   </p:sldIdLst>
   <p:sldSz cx="12192000" cy="6858000"/>
   <p:notesSz cx="6858000" cy="9144000"/>
@@ -253,7 +258,7 @@
           <a:p>
             <a:fld id="{735BDA45-18EF-48DB-B169-0F815D35619C}" type="datetimeFigureOut">
               <a:rPr lang="en-US" smtClean="0"/>
-              <a:t>3/23/2018</a:t>
+              <a:t>3/29/2018</a:t>
             </a:fld>
             <a:endParaRPr lang="en-US"/>
           </a:p>
@@ -423,7 +428,7 @@
           <a:p>
             <a:fld id="{735BDA45-18EF-48DB-B169-0F815D35619C}" type="datetimeFigureOut">
               <a:rPr lang="en-US" smtClean="0"/>
-              <a:t>3/23/2018</a:t>
+              <a:t>3/29/2018</a:t>
             </a:fld>
             <a:endParaRPr lang="en-US"/>
           </a:p>
@@ -603,7 +608,7 @@
           <a:p>
             <a:fld id="{735BDA45-18EF-48DB-B169-0F815D35619C}" type="datetimeFigureOut">
               <a:rPr lang="en-US" smtClean="0"/>
-              <a:t>3/23/2018</a:t>
+              <a:t>3/29/2018</a:t>
             </a:fld>
             <a:endParaRPr lang="en-US"/>
           </a:p>
@@ -773,7 +778,7 @@
           <a:p>
             <a:fld id="{735BDA45-18EF-48DB-B169-0F815D35619C}" type="datetimeFigureOut">
               <a:rPr lang="en-US" smtClean="0"/>
-              <a:t>3/23/2018</a:t>
+              <a:t>3/29/2018</a:t>
             </a:fld>
             <a:endParaRPr lang="en-US"/>
           </a:p>
@@ -1019,7 +1024,7 @@
           <a:p>
             <a:fld id="{735BDA45-18EF-48DB-B169-0F815D35619C}" type="datetimeFigureOut">
               <a:rPr lang="en-US" smtClean="0"/>
-              <a:t>3/23/2018</a:t>
+              <a:t>3/29/2018</a:t>
             </a:fld>
             <a:endParaRPr lang="en-US"/>
           </a:p>
@@ -1251,7 +1256,7 @@
           <a:p>
             <a:fld id="{735BDA45-18EF-48DB-B169-0F815D35619C}" type="datetimeFigureOut">
               <a:rPr lang="en-US" smtClean="0"/>
-              <a:t>3/23/2018</a:t>
+              <a:t>3/29/2018</a:t>
             </a:fld>
             <a:endParaRPr lang="en-US"/>
           </a:p>
@@ -1618,7 +1623,7 @@
           <a:p>
             <a:fld id="{735BDA45-18EF-48DB-B169-0F815D35619C}" type="datetimeFigureOut">
               <a:rPr lang="en-US" smtClean="0"/>
-              <a:t>3/23/2018</a:t>
+              <a:t>3/29/2018</a:t>
             </a:fld>
             <a:endParaRPr lang="en-US"/>
           </a:p>
@@ -1736,7 +1741,7 @@
           <a:p>
             <a:fld id="{735BDA45-18EF-48DB-B169-0F815D35619C}" type="datetimeFigureOut">
               <a:rPr lang="en-US" smtClean="0"/>
-              <a:t>3/23/2018</a:t>
+              <a:t>3/29/2018</a:t>
             </a:fld>
             <a:endParaRPr lang="en-US"/>
           </a:p>
@@ -1831,7 +1836,7 @@
           <a:p>
             <a:fld id="{735BDA45-18EF-48DB-B169-0F815D35619C}" type="datetimeFigureOut">
               <a:rPr lang="en-US" smtClean="0"/>
-              <a:t>3/23/2018</a:t>
+              <a:t>3/29/2018</a:t>
             </a:fld>
             <a:endParaRPr lang="en-US"/>
           </a:p>
@@ -2108,7 +2113,7 @@
           <a:p>
             <a:fld id="{735BDA45-18EF-48DB-B169-0F815D35619C}" type="datetimeFigureOut">
               <a:rPr lang="en-US" smtClean="0"/>
-              <a:t>3/23/2018</a:t>
+              <a:t>3/29/2018</a:t>
             </a:fld>
             <a:endParaRPr lang="en-US"/>
           </a:p>
@@ -2361,7 +2366,7 @@
           <a:p>
             <a:fld id="{735BDA45-18EF-48DB-B169-0F815D35619C}" type="datetimeFigureOut">
               <a:rPr lang="en-US" smtClean="0"/>
-              <a:t>3/23/2018</a:t>
+              <a:t>3/29/2018</a:t>
             </a:fld>
             <a:endParaRPr lang="en-US"/>
           </a:p>
@@ -2574,7 +2579,7 @@
           <a:p>
             <a:fld id="{735BDA45-18EF-48DB-B169-0F815D35619C}" type="datetimeFigureOut">
               <a:rPr lang="en-US" smtClean="0"/>
-              <a:t>3/23/2018</a:t>
+              <a:t>3/29/2018</a:t>
             </a:fld>
             <a:endParaRPr lang="en-US"/>
           </a:p>
@@ -3025,7 +3030,7 @@
           <a:p>
             <a:r>
               <a:rPr lang="en-US" dirty="0" smtClean="0"/>
-              <a:t>March 16</a:t>
+              <a:t>March 23</a:t>
             </a:r>
             <a:r>
               <a:rPr lang="en-US" baseline="30000" dirty="0" smtClean="0"/>
@@ -3071,6 +3076,447 @@
       </p:grpSpPr>
       <p:sp>
         <p:nvSpPr>
+          <p:cNvPr id="3" name="Title 1"/>
+          <p:cNvSpPr txBox="1">
+            <a:spLocks/>
+          </p:cNvSpPr>
+          <p:nvPr/>
+        </p:nvSpPr>
+        <p:spPr>
+          <a:xfrm>
+            <a:off x="9410915" y="652068"/>
+            <a:ext cx="2859110" cy="5169181"/>
+          </a:xfrm>
+          <a:prstGeom prst="rect">
+            <a:avLst/>
+          </a:prstGeom>
+        </p:spPr>
+        <p:txBody>
+          <a:bodyPr vert="horz" lIns="91440" tIns="45720" rIns="91440" bIns="45720" rtlCol="0" anchor="ctr">
+            <a:normAutofit/>
+          </a:bodyPr>
+          <a:lstStyle>
+            <a:lvl1pPr algn="l" defTabSz="914400" rtl="0" eaLnBrk="1" latinLnBrk="0" hangingPunct="1">
+              <a:lnSpc>
+                <a:spcPct val="90000"/>
+              </a:lnSpc>
+              <a:spcBef>
+                <a:spcPct val="0"/>
+              </a:spcBef>
+              <a:buNone/>
+              <a:defRPr sz="4400" kern="1200">
+                <a:solidFill>
+                  <a:schemeClr val="tx1"/>
+                </a:solidFill>
+                <a:latin typeface="+mj-lt"/>
+                <a:ea typeface="+mj-ea"/>
+                <a:cs typeface="+mj-cs"/>
+              </a:defRPr>
+            </a:lvl1pPr>
+          </a:lstStyle>
+          <a:p>
+            <a:r>
+              <a:rPr lang="en-US" sz="4000" dirty="0" smtClean="0"/>
+              <a:t>Top 30 words used in federal documents published by the Executive Office</a:t>
+            </a:r>
+            <a:endParaRPr lang="en-US" sz="4000" dirty="0"/>
+          </a:p>
+        </p:txBody>
+      </p:sp>
+      <p:pic>
+        <p:nvPicPr>
+          <p:cNvPr id="2" name="Picture 1"/>
+          <p:cNvPicPr>
+            <a:picLocks noChangeAspect="1"/>
+          </p:cNvPicPr>
+          <p:nvPr/>
+        </p:nvPicPr>
+        <p:blipFill>
+          <a:blip r:embed="rId2">
+            <a:extLst>
+              <a:ext uri="{28A0092B-C50C-407E-A947-70E740481C1C}">
+                <a14:useLocalDpi xmlns:a14="http://schemas.microsoft.com/office/drawing/2010/main" val="0"/>
+              </a:ext>
+            </a:extLst>
+          </a:blip>
+          <a:stretch>
+            <a:fillRect/>
+          </a:stretch>
+        </p:blipFill>
+        <p:spPr>
+          <a:xfrm>
+            <a:off x="71157" y="115911"/>
+            <a:ext cx="9339758" cy="6671256"/>
+          </a:xfrm>
+          <a:prstGeom prst="rect">
+            <a:avLst/>
+          </a:prstGeom>
+        </p:spPr>
+      </p:pic>
+    </p:spTree>
+    <p:extLst>
+      <p:ext uri="{BB962C8B-B14F-4D97-AF65-F5344CB8AC3E}">
+        <p14:creationId xmlns:p14="http://schemas.microsoft.com/office/powerpoint/2010/main" val="186223336"/>
+      </p:ext>
+    </p:extLst>
+  </p:cSld>
+  <p:clrMapOvr>
+    <a:masterClrMapping/>
+  </p:clrMapOvr>
+</p:sld>
+</file>
+
+<file path=ppt/slides/slide11.xml><?xml version="1.0" encoding="utf-8"?>
+<p:sld xmlns:a="http://schemas.openxmlformats.org/drawingml/2006/main" xmlns:r="http://schemas.openxmlformats.org/officeDocument/2006/relationships" xmlns:p="http://schemas.openxmlformats.org/presentationml/2006/main">
+  <p:cSld>
+    <p:spTree>
+      <p:nvGrpSpPr>
+        <p:cNvPr id="1" name=""/>
+        <p:cNvGrpSpPr/>
+        <p:nvPr/>
+      </p:nvGrpSpPr>
+      <p:grpSpPr>
+        <a:xfrm>
+          <a:off x="0" y="0"/>
+          <a:ext cx="0" cy="0"/>
+          <a:chOff x="0" y="0"/>
+          <a:chExt cx="0" cy="0"/>
+        </a:xfrm>
+      </p:grpSpPr>
+      <p:sp>
+        <p:nvSpPr>
+          <p:cNvPr id="3" name="Title 1"/>
+          <p:cNvSpPr txBox="1">
+            <a:spLocks/>
+          </p:cNvSpPr>
+          <p:nvPr/>
+        </p:nvSpPr>
+        <p:spPr>
+          <a:xfrm>
+            <a:off x="9697792" y="574796"/>
+            <a:ext cx="2859110" cy="5169181"/>
+          </a:xfrm>
+          <a:prstGeom prst="rect">
+            <a:avLst/>
+          </a:prstGeom>
+        </p:spPr>
+        <p:txBody>
+          <a:bodyPr vert="horz" lIns="91440" tIns="45720" rIns="91440" bIns="45720" rtlCol="0" anchor="ctr">
+            <a:normAutofit/>
+          </a:bodyPr>
+          <a:lstStyle>
+            <a:lvl1pPr algn="l" defTabSz="914400" rtl="0" eaLnBrk="1" latinLnBrk="0" hangingPunct="1">
+              <a:lnSpc>
+                <a:spcPct val="90000"/>
+              </a:lnSpc>
+              <a:spcBef>
+                <a:spcPct val="0"/>
+              </a:spcBef>
+              <a:buNone/>
+              <a:defRPr sz="4400" kern="1200">
+                <a:solidFill>
+                  <a:schemeClr val="tx1"/>
+                </a:solidFill>
+                <a:latin typeface="+mj-lt"/>
+                <a:ea typeface="+mj-ea"/>
+                <a:cs typeface="+mj-cs"/>
+              </a:defRPr>
+            </a:lvl1pPr>
+          </a:lstStyle>
+          <a:p>
+            <a:r>
+              <a:rPr lang="en-US" sz="4000" dirty="0" smtClean="0"/>
+              <a:t>Top 30 words used in Donald Trump’s tweets  </a:t>
+            </a:r>
+            <a:endParaRPr lang="en-US" sz="4000" dirty="0"/>
+          </a:p>
+        </p:txBody>
+      </p:sp>
+      <p:pic>
+        <p:nvPicPr>
+          <p:cNvPr id="4" name="Picture 3"/>
+          <p:cNvPicPr>
+            <a:picLocks noChangeAspect="1"/>
+          </p:cNvPicPr>
+          <p:nvPr/>
+        </p:nvPicPr>
+        <p:blipFill>
+          <a:blip r:embed="rId2">
+            <a:extLst>
+              <a:ext uri="{28A0092B-C50C-407E-A947-70E740481C1C}">
+                <a14:useLocalDpi xmlns:a14="http://schemas.microsoft.com/office/drawing/2010/main" val="0"/>
+              </a:ext>
+            </a:extLst>
+          </a:blip>
+          <a:stretch>
+            <a:fillRect/>
+          </a:stretch>
+        </p:blipFill>
+        <p:spPr>
+          <a:xfrm>
+            <a:off x="123423" y="6288"/>
+            <a:ext cx="9574369" cy="6838835"/>
+          </a:xfrm>
+          <a:prstGeom prst="rect">
+            <a:avLst/>
+          </a:prstGeom>
+        </p:spPr>
+      </p:pic>
+    </p:spTree>
+    <p:extLst>
+      <p:ext uri="{BB962C8B-B14F-4D97-AF65-F5344CB8AC3E}">
+        <p14:creationId xmlns:p14="http://schemas.microsoft.com/office/powerpoint/2010/main" val="859155283"/>
+      </p:ext>
+    </p:extLst>
+  </p:cSld>
+  <p:clrMapOvr>
+    <a:masterClrMapping/>
+  </p:clrMapOvr>
+</p:sld>
+</file>
+
+<file path=ppt/slides/slide12.xml><?xml version="1.0" encoding="utf-8"?>
+<p:sld xmlns:a="http://schemas.openxmlformats.org/drawingml/2006/main" xmlns:r="http://schemas.openxmlformats.org/officeDocument/2006/relationships" xmlns:p="http://schemas.openxmlformats.org/presentationml/2006/main">
+  <p:cSld>
+    <p:spTree>
+      <p:nvGrpSpPr>
+        <p:cNvPr id="1" name=""/>
+        <p:cNvGrpSpPr/>
+        <p:nvPr/>
+      </p:nvGrpSpPr>
+      <p:grpSpPr>
+        <a:xfrm>
+          <a:off x="0" y="0"/>
+          <a:ext cx="0" cy="0"/>
+          <a:chOff x="0" y="0"/>
+          <a:chExt cx="0" cy="0"/>
+        </a:xfrm>
+      </p:grpSpPr>
+      <p:sp>
+        <p:nvSpPr>
+          <p:cNvPr id="3" name="Title 1"/>
+          <p:cNvSpPr txBox="1">
+            <a:spLocks/>
+          </p:cNvSpPr>
+          <p:nvPr/>
+        </p:nvSpPr>
+        <p:spPr>
+          <a:xfrm>
+            <a:off x="9697792" y="574796"/>
+            <a:ext cx="2859110" cy="5169181"/>
+          </a:xfrm>
+          <a:prstGeom prst="rect">
+            <a:avLst/>
+          </a:prstGeom>
+        </p:spPr>
+        <p:txBody>
+          <a:bodyPr vert="horz" lIns="91440" tIns="45720" rIns="91440" bIns="45720" rtlCol="0" anchor="ctr">
+            <a:normAutofit/>
+          </a:bodyPr>
+          <a:lstStyle>
+            <a:lvl1pPr algn="l" defTabSz="914400" rtl="0" eaLnBrk="1" latinLnBrk="0" hangingPunct="1">
+              <a:lnSpc>
+                <a:spcPct val="90000"/>
+              </a:lnSpc>
+              <a:spcBef>
+                <a:spcPct val="0"/>
+              </a:spcBef>
+              <a:buNone/>
+              <a:defRPr sz="4400" kern="1200">
+                <a:solidFill>
+                  <a:schemeClr val="tx1"/>
+                </a:solidFill>
+                <a:latin typeface="+mj-lt"/>
+                <a:ea typeface="+mj-ea"/>
+                <a:cs typeface="+mj-cs"/>
+              </a:defRPr>
+            </a:lvl1pPr>
+          </a:lstStyle>
+          <a:p>
+            <a:r>
+              <a:rPr lang="en-US" sz="4000" dirty="0" smtClean="0"/>
+              <a:t>Top 30 words used in Donald Trump’s tweets  </a:t>
+            </a:r>
+            <a:endParaRPr lang="en-US" sz="4000" dirty="0"/>
+          </a:p>
+        </p:txBody>
+      </p:sp>
+    </p:spTree>
+    <p:extLst>
+      <p:ext uri="{BB962C8B-B14F-4D97-AF65-F5344CB8AC3E}">
+        <p14:creationId xmlns:p14="http://schemas.microsoft.com/office/powerpoint/2010/main" val="297264529"/>
+      </p:ext>
+    </p:extLst>
+  </p:cSld>
+  <p:clrMapOvr>
+    <a:masterClrMapping/>
+  </p:clrMapOvr>
+</p:sld>
+</file>
+
+<file path=ppt/slides/slide13.xml><?xml version="1.0" encoding="utf-8"?>
+<p:sld xmlns:a="http://schemas.openxmlformats.org/drawingml/2006/main" xmlns:r="http://schemas.openxmlformats.org/officeDocument/2006/relationships" xmlns:p="http://schemas.openxmlformats.org/presentationml/2006/main">
+  <p:cSld>
+    <p:spTree>
+      <p:nvGrpSpPr>
+        <p:cNvPr id="1" name=""/>
+        <p:cNvGrpSpPr/>
+        <p:nvPr/>
+      </p:nvGrpSpPr>
+      <p:grpSpPr>
+        <a:xfrm>
+          <a:off x="0" y="0"/>
+          <a:ext cx="0" cy="0"/>
+          <a:chOff x="0" y="0"/>
+          <a:chExt cx="0" cy="0"/>
+        </a:xfrm>
+      </p:grpSpPr>
+      <p:sp>
+        <p:nvSpPr>
+          <p:cNvPr id="2" name="Title 1"/>
+          <p:cNvSpPr>
+            <a:spLocks noGrp="1"/>
+          </p:cNvSpPr>
+          <p:nvPr>
+            <p:ph type="title"/>
+          </p:nvPr>
+        </p:nvSpPr>
+        <p:spPr/>
+        <p:txBody>
+          <a:bodyPr/>
+          <a:lstStyle/>
+          <a:p>
+            <a:r>
+              <a:rPr lang="en-US" dirty="0" smtClean="0"/>
+              <a:t>Cosine Similarity</a:t>
+            </a:r>
+            <a:endParaRPr lang="en-US" dirty="0"/>
+          </a:p>
+        </p:txBody>
+      </p:sp>
+      <p:sp>
+        <p:nvSpPr>
+          <p:cNvPr id="3" name="Content Placeholder 2"/>
+          <p:cNvSpPr>
+            <a:spLocks noGrp="1"/>
+          </p:cNvSpPr>
+          <p:nvPr>
+            <p:ph idx="1"/>
+          </p:nvPr>
+        </p:nvSpPr>
+        <p:spPr/>
+        <p:txBody>
+          <a:bodyPr/>
+          <a:lstStyle/>
+          <a:p>
+            <a:endParaRPr lang="en-US"/>
+          </a:p>
+        </p:txBody>
+      </p:sp>
+    </p:spTree>
+    <p:extLst>
+      <p:ext uri="{BB962C8B-B14F-4D97-AF65-F5344CB8AC3E}">
+        <p14:creationId xmlns:p14="http://schemas.microsoft.com/office/powerpoint/2010/main" val="3254940139"/>
+      </p:ext>
+    </p:extLst>
+  </p:cSld>
+  <p:clrMapOvr>
+    <a:masterClrMapping/>
+  </p:clrMapOvr>
+</p:sld>
+</file>
+
+<file path=ppt/slides/slide14.xml><?xml version="1.0" encoding="utf-8"?>
+<p:sld xmlns:a="http://schemas.openxmlformats.org/drawingml/2006/main" xmlns:r="http://schemas.openxmlformats.org/officeDocument/2006/relationships" xmlns:p="http://schemas.openxmlformats.org/presentationml/2006/main">
+  <p:cSld>
+    <p:spTree>
+      <p:nvGrpSpPr>
+        <p:cNvPr id="1" name=""/>
+        <p:cNvGrpSpPr/>
+        <p:nvPr/>
+      </p:nvGrpSpPr>
+      <p:grpSpPr>
+        <a:xfrm>
+          <a:off x="0" y="0"/>
+          <a:ext cx="0" cy="0"/>
+          <a:chOff x="0" y="0"/>
+          <a:chExt cx="0" cy="0"/>
+        </a:xfrm>
+      </p:grpSpPr>
+      <p:sp>
+        <p:nvSpPr>
+          <p:cNvPr id="2" name="Title 1"/>
+          <p:cNvSpPr>
+            <a:spLocks noGrp="1"/>
+          </p:cNvSpPr>
+          <p:nvPr>
+            <p:ph type="title"/>
+          </p:nvPr>
+        </p:nvSpPr>
+        <p:spPr/>
+        <p:txBody>
+          <a:bodyPr/>
+          <a:lstStyle/>
+          <a:p>
+            <a:r>
+              <a:rPr lang="en-US" dirty="0" smtClean="0"/>
+              <a:t>Analysis Results</a:t>
+            </a:r>
+            <a:endParaRPr lang="en-US" dirty="0"/>
+          </a:p>
+        </p:txBody>
+      </p:sp>
+      <p:sp>
+        <p:nvSpPr>
+          <p:cNvPr id="3" name="Content Placeholder 2"/>
+          <p:cNvSpPr>
+            <a:spLocks noGrp="1"/>
+          </p:cNvSpPr>
+          <p:nvPr>
+            <p:ph idx="1"/>
+          </p:nvPr>
+        </p:nvSpPr>
+        <p:spPr/>
+        <p:txBody>
+          <a:bodyPr/>
+          <a:lstStyle/>
+          <a:p>
+            <a:endParaRPr lang="en-US"/>
+          </a:p>
+        </p:txBody>
+      </p:sp>
+    </p:spTree>
+    <p:extLst>
+      <p:ext uri="{BB962C8B-B14F-4D97-AF65-F5344CB8AC3E}">
+        <p14:creationId xmlns:p14="http://schemas.microsoft.com/office/powerpoint/2010/main" val="3234620026"/>
+      </p:ext>
+    </p:extLst>
+  </p:cSld>
+  <p:clrMapOvr>
+    <a:masterClrMapping/>
+  </p:clrMapOvr>
+</p:sld>
+</file>
+
+<file path=ppt/slides/slide15.xml><?xml version="1.0" encoding="utf-8"?>
+<p:sld xmlns:a="http://schemas.openxmlformats.org/drawingml/2006/main" xmlns:r="http://schemas.openxmlformats.org/officeDocument/2006/relationships" xmlns:p="http://schemas.openxmlformats.org/presentationml/2006/main">
+  <p:cSld>
+    <p:spTree>
+      <p:nvGrpSpPr>
+        <p:cNvPr id="1" name=""/>
+        <p:cNvGrpSpPr/>
+        <p:nvPr/>
+      </p:nvGrpSpPr>
+      <p:grpSpPr>
+        <a:xfrm>
+          <a:off x="0" y="0"/>
+          <a:ext cx="0" cy="0"/>
+          <a:chOff x="0" y="0"/>
+          <a:chExt cx="0" cy="0"/>
+        </a:xfrm>
+      </p:grpSpPr>
+      <p:sp>
+        <p:nvSpPr>
           <p:cNvPr id="2" name="Title 1"/>
           <p:cNvSpPr>
             <a:spLocks noGrp="1"/>
@@ -3124,7 +3570,7 @@
 </p:sld>
 </file>
 
-<file path=ppt/slides/slide11.xml><?xml version="1.0" encoding="utf-8"?>
+<file path=ppt/slides/slide16.xml><?xml version="1.0" encoding="utf-8"?>
 <p:sld xmlns:a="http://schemas.openxmlformats.org/drawingml/2006/main" xmlns:r="http://schemas.openxmlformats.org/officeDocument/2006/relationships" xmlns:p="http://schemas.openxmlformats.org/presentationml/2006/main">
   <p:cSld>
     <p:spTree>
@@ -3458,7 +3904,6 @@
               <a:rPr lang="en-US" dirty="0" smtClean="0"/>
               <a:t>America</a:t>
             </a:r>
-            <a:endParaRPr lang="en-US" dirty="0" smtClean="0"/>
           </a:p>
         </p:txBody>
       </p:sp>
@@ -3548,7 +3993,6 @@
               <a:rPr lang="en-US" dirty="0" smtClean="0"/>
               <a:t>Tokenized tweet text</a:t>
             </a:r>
-            <a:endParaRPr lang="en-US" dirty="0" smtClean="0"/>
           </a:p>
           <a:p>
             <a:endParaRPr lang="en-US" dirty="0"/>
@@ -3556,19 +4000,7 @@
           <a:p>
             <a:r>
               <a:rPr lang="en-US" dirty="0" smtClean="0"/>
-              <a:t> All documents published by </a:t>
-            </a:r>
-            <a:r>
-              <a:rPr lang="en-US" dirty="0" smtClean="0"/>
-              <a:t>the </a:t>
-            </a:r>
-            <a:r>
-              <a:rPr lang="en-US" dirty="0" smtClean="0"/>
-              <a:t>Executive Office of the United States of </a:t>
-            </a:r>
-            <a:r>
-              <a:rPr lang="en-US" dirty="0" smtClean="0"/>
-              <a:t>America</a:t>
+              <a:t> All documents published by the Executive Office of the United States of America</a:t>
             </a:r>
           </a:p>
           <a:p>
@@ -3582,15 +4014,7 @@
             <a:pPr lvl="1"/>
             <a:r>
               <a:rPr lang="en-US" dirty="0" smtClean="0"/>
-              <a:t>Converted PDF </a:t>
-            </a:r>
-            <a:r>
-              <a:rPr lang="en-US" dirty="0" smtClean="0"/>
-              <a:t>to </a:t>
-            </a:r>
-            <a:r>
-              <a:rPr lang="en-US" dirty="0" smtClean="0"/>
-              <a:t>text</a:t>
+              <a:t>Converted PDF to text</a:t>
             </a:r>
           </a:p>
           <a:p>
@@ -3599,7 +4023,6 @@
               <a:rPr lang="en-US" dirty="0" smtClean="0"/>
               <a:t>Tokenized each documents text</a:t>
             </a:r>
-            <a:endParaRPr lang="en-US" dirty="0" smtClean="0"/>
           </a:p>
           <a:p>
             <a:pPr lvl="1"/>
@@ -3639,7 +4062,7 @@
       </p:grpSpPr>
       <p:sp>
         <p:nvSpPr>
-          <p:cNvPr id="2" name="Title 1"/>
+          <p:cNvPr id="6" name="Title 1"/>
           <p:cNvSpPr>
             <a:spLocks noGrp="1"/>
           </p:cNvSpPr>
@@ -3647,96 +4070,277 @@
             <p:ph type="title"/>
           </p:nvPr>
         </p:nvSpPr>
-        <p:spPr/>
-        <p:txBody>
-          <a:bodyPr/>
-          <a:lstStyle/>
-          <a:p>
-            <a:r>
-              <a:rPr lang="en-US" dirty="0" smtClean="0"/>
-              <a:t>Data Wrangling</a:t>
-            </a:r>
-            <a:endParaRPr lang="en-US" dirty="0"/>
-          </a:p>
-        </p:txBody>
-      </p:sp>
-      <p:sp>
-        <p:nvSpPr>
-          <p:cNvPr id="3" name="Content Placeholder 2"/>
-          <p:cNvSpPr>
-            <a:spLocks noGrp="1"/>
-          </p:cNvSpPr>
-          <p:nvPr>
-            <p:ph idx="1"/>
-          </p:nvPr>
-        </p:nvSpPr>
-        <p:spPr/>
-        <p:txBody>
-          <a:bodyPr/>
-          <a:lstStyle/>
-          <a:p>
-            <a:r>
-              <a:rPr lang="en-US" dirty="0" smtClean="0"/>
-              <a:t>Text pre-processing</a:t>
-            </a:r>
-          </a:p>
-          <a:p>
-            <a:pPr lvl="1"/>
-            <a:r>
-              <a:rPr lang="en-US" dirty="0" smtClean="0"/>
-              <a:t>Pdf to text</a:t>
-            </a:r>
-          </a:p>
-          <a:p>
-            <a:pPr lvl="1"/>
-            <a:r>
-              <a:rPr lang="en-US" dirty="0" smtClean="0"/>
-              <a:t>Extracting features</a:t>
-            </a:r>
-          </a:p>
-          <a:p>
-            <a:pPr lvl="2"/>
-            <a:r>
-              <a:rPr lang="en-US" dirty="0" smtClean="0"/>
-              <a:t>Hashtag and @mentions</a:t>
-            </a:r>
-          </a:p>
-          <a:p>
-            <a:pPr lvl="2"/>
-            <a:r>
-              <a:rPr lang="en-US" dirty="0" smtClean="0"/>
-              <a:t>Date</a:t>
-            </a:r>
-          </a:p>
-          <a:p>
-            <a:pPr lvl="1"/>
-            <a:r>
-              <a:rPr lang="en-US" dirty="0" smtClean="0"/>
-              <a:t>Text tokenization</a:t>
-            </a:r>
-          </a:p>
-          <a:p>
-            <a:r>
-              <a:rPr lang="en-US" dirty="0" smtClean="0"/>
-              <a:t>Text</a:t>
-            </a:r>
-          </a:p>
-          <a:p>
-            <a:pPr lvl="1"/>
-            <a:r>
-              <a:rPr lang="en-US" dirty="0" smtClean="0"/>
-              <a:t>Text to matrix</a:t>
-            </a:r>
-          </a:p>
-          <a:p>
-            <a:pPr lvl="1"/>
-            <a:r>
-              <a:rPr lang="en-US" dirty="0" smtClean="0"/>
-              <a:t>Topic identification, NMF</a:t>
-            </a:r>
-          </a:p>
-        </p:txBody>
-      </p:sp>
+        <p:spPr>
+          <a:xfrm>
+            <a:off x="6795760" y="439932"/>
+            <a:ext cx="4338819" cy="1325563"/>
+          </a:xfrm>
+        </p:spPr>
+        <p:txBody>
+          <a:bodyPr/>
+          <a:lstStyle/>
+          <a:p>
+            <a:pPr algn="ctr"/>
+            <a:r>
+              <a:rPr lang="en-US" b="1" dirty="0" smtClean="0"/>
+              <a:t>Twitter Data </a:t>
+            </a:r>
+            <a:r>
+              <a:rPr lang="en-US" b="1" dirty="0" smtClean="0"/>
+              <a:t>Wrangling</a:t>
+            </a:r>
+            <a:endParaRPr lang="en-US" b="1" dirty="0"/>
+          </a:p>
+        </p:txBody>
+      </p:sp>
+      <p:sp>
+        <p:nvSpPr>
+          <p:cNvPr id="7" name="TextBox 6"/>
+          <p:cNvSpPr txBox="1"/>
+          <p:nvPr/>
+        </p:nvSpPr>
+        <p:spPr>
+          <a:xfrm>
+            <a:off x="1203879" y="1396693"/>
+            <a:ext cx="4901500" cy="646331"/>
+          </a:xfrm>
+          <a:prstGeom prst="rect">
+            <a:avLst/>
+          </a:prstGeom>
+          <a:noFill/>
+        </p:spPr>
+        <p:txBody>
+          <a:bodyPr wrap="square" rtlCol="0">
+            <a:spAutoFit/>
+          </a:bodyPr>
+          <a:lstStyle/>
+          <a:p>
+            <a:pPr algn="ctr"/>
+            <a:r>
+              <a:rPr lang="en-US" b="1" dirty="0" smtClean="0"/>
+              <a:t>Download JSON data  from Trump Twitter Archive</a:t>
+            </a:r>
+          </a:p>
+          <a:p>
+            <a:pPr algn="ctr"/>
+            <a:r>
+              <a:rPr lang="en-US" b="1" dirty="0"/>
+              <a:t>a</a:t>
+            </a:r>
+            <a:r>
+              <a:rPr lang="en-US" b="1" dirty="0" smtClean="0"/>
+              <a:t>nd load into   a Pandas </a:t>
+            </a:r>
+            <a:r>
+              <a:rPr lang="en-US" b="1" dirty="0" err="1" smtClean="0"/>
+              <a:t>dataframe</a:t>
+            </a:r>
+            <a:endParaRPr lang="en-US" b="1" dirty="0"/>
+          </a:p>
+        </p:txBody>
+      </p:sp>
+      <p:pic>
+        <p:nvPicPr>
+          <p:cNvPr id="8" name="Picture 7"/>
+          <p:cNvPicPr>
+            <a:picLocks noChangeAspect="1"/>
+          </p:cNvPicPr>
+          <p:nvPr/>
+        </p:nvPicPr>
+        <p:blipFill rotWithShape="1">
+          <a:blip r:embed="rId2">
+            <a:extLst>
+              <a:ext uri="{28A0092B-C50C-407E-A947-70E740481C1C}">
+                <a14:useLocalDpi xmlns:a14="http://schemas.microsoft.com/office/drawing/2010/main" val="0"/>
+              </a:ext>
+            </a:extLst>
+          </a:blip>
+          <a:srcRect b="57362"/>
+          <a:stretch/>
+        </p:blipFill>
+        <p:spPr>
+          <a:xfrm>
+            <a:off x="350748" y="211808"/>
+            <a:ext cx="5975608" cy="1068352"/>
+          </a:xfrm>
+          <a:prstGeom prst="rect">
+            <a:avLst/>
+          </a:prstGeom>
+        </p:spPr>
+      </p:pic>
+      <p:cxnSp>
+        <p:nvCxnSpPr>
+          <p:cNvPr id="10" name="Straight Arrow Connector 9"/>
+          <p:cNvCxnSpPr>
+            <a:stCxn id="8" idx="2"/>
+          </p:cNvCxnSpPr>
+          <p:nvPr/>
+        </p:nvCxnSpPr>
+        <p:spPr>
+          <a:xfrm>
+            <a:off x="3338552" y="1280160"/>
+            <a:ext cx="0" cy="970671"/>
+          </a:xfrm>
+          <a:prstGeom prst="straightConnector1">
+            <a:avLst/>
+          </a:prstGeom>
+          <a:ln w="41275">
+            <a:solidFill>
+              <a:schemeClr val="tx1"/>
+            </a:solidFill>
+            <a:tailEnd type="triangle"/>
+          </a:ln>
+        </p:spPr>
+        <p:style>
+          <a:lnRef idx="1">
+            <a:schemeClr val="accent1"/>
+          </a:lnRef>
+          <a:fillRef idx="0">
+            <a:schemeClr val="accent1"/>
+          </a:fillRef>
+          <a:effectRef idx="0">
+            <a:schemeClr val="accent1"/>
+          </a:effectRef>
+          <a:fontRef idx="minor">
+            <a:schemeClr val="tx1"/>
+          </a:fontRef>
+        </p:style>
+      </p:cxnSp>
+      <p:pic>
+        <p:nvPicPr>
+          <p:cNvPr id="13" name="Picture 12"/>
+          <p:cNvPicPr>
+            <a:picLocks noChangeAspect="1"/>
+          </p:cNvPicPr>
+          <p:nvPr/>
+        </p:nvPicPr>
+        <p:blipFill>
+          <a:blip r:embed="rId3">
+            <a:extLst>
+              <a:ext uri="{28A0092B-C50C-407E-A947-70E740481C1C}">
+                <a14:useLocalDpi xmlns:a14="http://schemas.microsoft.com/office/drawing/2010/main" val="0"/>
+              </a:ext>
+            </a:extLst>
+          </a:blip>
+          <a:stretch>
+            <a:fillRect/>
+          </a:stretch>
+        </p:blipFill>
+        <p:spPr>
+          <a:xfrm>
+            <a:off x="1076179" y="2250831"/>
+            <a:ext cx="10058400" cy="1677791"/>
+          </a:xfrm>
+          <a:prstGeom prst="rect">
+            <a:avLst/>
+          </a:prstGeom>
+        </p:spPr>
+      </p:pic>
+      <p:sp>
+        <p:nvSpPr>
+          <p:cNvPr id="14" name="TextBox 13"/>
+          <p:cNvSpPr txBox="1"/>
+          <p:nvPr/>
+        </p:nvSpPr>
+        <p:spPr>
+          <a:xfrm>
+            <a:off x="3612424" y="4041326"/>
+            <a:ext cx="8129579" cy="369332"/>
+          </a:xfrm>
+          <a:prstGeom prst="rect">
+            <a:avLst/>
+          </a:prstGeom>
+          <a:noFill/>
+        </p:spPr>
+        <p:txBody>
+          <a:bodyPr wrap="square" rtlCol="0">
+            <a:spAutoFit/>
+          </a:bodyPr>
+          <a:lstStyle/>
+          <a:p>
+            <a:pPr algn="ctr"/>
+            <a:r>
+              <a:rPr lang="en-US" b="1" dirty="0" smtClean="0"/>
+              <a:t>Extract hashtags, @mentions,   tokenize text, and convert dates to </a:t>
+            </a:r>
+            <a:r>
+              <a:rPr lang="en-US" b="1" dirty="0" err="1" smtClean="0"/>
+              <a:t>datetime</a:t>
+            </a:r>
+            <a:r>
+              <a:rPr lang="en-US" b="1" dirty="0" smtClean="0"/>
+              <a:t> objects</a:t>
+            </a:r>
+            <a:endParaRPr lang="en-US" b="1" dirty="0"/>
+          </a:p>
+        </p:txBody>
+      </p:sp>
+      <p:cxnSp>
+        <p:nvCxnSpPr>
+          <p:cNvPr id="15" name="Straight Arrow Connector 14"/>
+          <p:cNvCxnSpPr/>
+          <p:nvPr/>
+        </p:nvCxnSpPr>
+        <p:spPr>
+          <a:xfrm>
+            <a:off x="6597747" y="3953019"/>
+            <a:ext cx="2164" cy="608647"/>
+          </a:xfrm>
+          <a:prstGeom prst="straightConnector1">
+            <a:avLst/>
+          </a:prstGeom>
+          <a:ln w="41275">
+            <a:solidFill>
+              <a:schemeClr val="tx1"/>
+            </a:solidFill>
+            <a:tailEnd type="triangle"/>
+          </a:ln>
+        </p:spPr>
+        <p:style>
+          <a:lnRef idx="1">
+            <a:schemeClr val="accent1"/>
+          </a:lnRef>
+          <a:fillRef idx="0">
+            <a:schemeClr val="accent1"/>
+          </a:fillRef>
+          <a:effectRef idx="0">
+            <a:schemeClr val="accent1"/>
+          </a:effectRef>
+          <a:fontRef idx="minor">
+            <a:schemeClr val="tx1"/>
+          </a:fontRef>
+        </p:style>
+      </p:cxnSp>
+      <p:pic>
+        <p:nvPicPr>
+          <p:cNvPr id="16" name="Picture 15"/>
+          <p:cNvPicPr>
+            <a:picLocks noChangeAspect="1"/>
+          </p:cNvPicPr>
+          <p:nvPr/>
+        </p:nvPicPr>
+        <p:blipFill>
+          <a:blip r:embed="rId4">
+            <a:extLst>
+              <a:ext uri="{28A0092B-C50C-407E-A947-70E740481C1C}">
+                <a14:useLocalDpi xmlns:a14="http://schemas.microsoft.com/office/drawing/2010/main" val="0"/>
+              </a:ext>
+            </a:extLst>
+          </a:blip>
+          <a:stretch>
+            <a:fillRect/>
+          </a:stretch>
+        </p:blipFill>
+        <p:spPr>
+          <a:xfrm>
+            <a:off x="2082020" y="4772746"/>
+            <a:ext cx="8984566" cy="1888430"/>
+          </a:xfrm>
+          <a:prstGeom prst="rect">
+            <a:avLst/>
+          </a:prstGeom>
+        </p:spPr>
+      </p:pic>
     </p:spTree>
     <p:extLst>
       <p:ext uri="{BB962C8B-B14F-4D97-AF65-F5344CB8AC3E}">
@@ -3767,50 +4371,85 @@
           <a:chExt cx="0" cy="0"/>
         </a:xfrm>
       </p:grpSpPr>
-      <p:pic>
-        <p:nvPicPr>
-          <p:cNvPr id="5" name="Picture 4"/>
-          <p:cNvPicPr>
-            <a:picLocks noChangeAspect="1"/>
-          </p:cNvPicPr>
+      <p:cxnSp>
+        <p:nvCxnSpPr>
+          <p:cNvPr id="24" name="Straight Connector 23"/>
+          <p:cNvCxnSpPr/>
           <p:nvPr/>
-        </p:nvPicPr>
-        <p:blipFill>
-          <a:blip r:embed="rId2" cstate="print">
-            <a:extLst>
-              <a:ext uri="{28A0092B-C50C-407E-A947-70E740481C1C}">
-                <a14:useLocalDpi xmlns:a14="http://schemas.microsoft.com/office/drawing/2010/main" val="0"/>
-              </a:ext>
-            </a:extLst>
-          </a:blip>
-          <a:stretch>
-            <a:fillRect/>
-          </a:stretch>
-        </p:blipFill>
+        </p:nvCxnSpPr>
         <p:spPr>
           <a:xfrm>
-            <a:off x="534003" y="591592"/>
-            <a:ext cx="1127371" cy="1439446"/>
+            <a:off x="3084401" y="2818737"/>
+            <a:ext cx="393893" cy="0"/>
           </a:xfrm>
-          <a:prstGeom prst="rect">
+          <a:prstGeom prst="line">
             <a:avLst/>
           </a:prstGeom>
+          <a:ln w="44450">
+            <a:solidFill>
+              <a:schemeClr val="tx1"/>
+            </a:solidFill>
+          </a:ln>
         </p:spPr>
-      </p:pic>
+        <p:style>
+          <a:lnRef idx="1">
+            <a:schemeClr val="accent1"/>
+          </a:lnRef>
+          <a:fillRef idx="0">
+            <a:schemeClr val="accent1"/>
+          </a:fillRef>
+          <a:effectRef idx="0">
+            <a:schemeClr val="accent1"/>
+          </a:effectRef>
+          <a:fontRef idx="minor">
+            <a:schemeClr val="tx1"/>
+          </a:fontRef>
+        </p:style>
+      </p:cxnSp>
       <p:grpSp>
         <p:nvGrpSpPr>
-          <p:cNvPr id="46" name="Group 45"/>
+          <p:cNvPr id="33" name="Group 32"/>
           <p:cNvGrpSpPr/>
           <p:nvPr/>
         </p:nvGrpSpPr>
         <p:grpSpPr>
           <a:xfrm>
-            <a:off x="2548223" y="591592"/>
-            <a:ext cx="8544838" cy="2789269"/>
-            <a:chOff x="2112134" y="267287"/>
-            <a:chExt cx="8544838" cy="2789269"/>
+            <a:off x="203006" y="50600"/>
+            <a:ext cx="11727586" cy="6529779"/>
+            <a:chOff x="177248" y="127874"/>
+            <a:chExt cx="11727586" cy="6529779"/>
           </a:xfrm>
         </p:grpSpPr>
+        <p:pic>
+          <p:nvPicPr>
+            <p:cNvPr id="5" name="Picture 4"/>
+            <p:cNvPicPr>
+              <a:picLocks noChangeAspect="1"/>
+            </p:cNvPicPr>
+            <p:nvPr/>
+          </p:nvPicPr>
+          <p:blipFill>
+            <a:blip r:embed="rId2" cstate="print">
+              <a:extLst>
+                <a:ext uri="{28A0092B-C50C-407E-A947-70E740481C1C}">
+                  <a14:useLocalDpi xmlns:a14="http://schemas.microsoft.com/office/drawing/2010/main" val="0"/>
+                </a:ext>
+              </a:extLst>
+            </a:blip>
+            <a:stretch>
+              <a:fillRect/>
+            </a:stretch>
+          </p:blipFill>
+          <p:spPr>
+            <a:xfrm>
+              <a:off x="666655" y="207489"/>
+              <a:ext cx="1127371" cy="1439446"/>
+            </a:xfrm>
+            <a:prstGeom prst="rect">
+              <a:avLst/>
+            </a:prstGeom>
+          </p:spPr>
+        </p:pic>
         <p:pic>
           <p:nvPicPr>
             <p:cNvPr id="6" name="Picture 5"/>
@@ -3833,171 +4472,14 @@
           </p:blipFill>
           <p:spPr>
             <a:xfrm>
-              <a:off x="2112134" y="1311315"/>
-              <a:ext cx="2660359" cy="1745241"/>
+              <a:off x="1242040" y="2715387"/>
+              <a:ext cx="1972467" cy="1293972"/>
             </a:xfrm>
             <a:prstGeom prst="rect">
               <a:avLst/>
             </a:prstGeom>
           </p:spPr>
         </p:pic>
-        <p:grpSp>
-          <p:nvGrpSpPr>
-            <p:cNvPr id="31" name="Group 30"/>
-            <p:cNvGrpSpPr/>
-            <p:nvPr/>
-          </p:nvGrpSpPr>
-          <p:grpSpPr>
-            <a:xfrm>
-              <a:off x="4923690" y="437829"/>
-              <a:ext cx="872194" cy="961893"/>
-              <a:chOff x="4965894" y="1069145"/>
-              <a:chExt cx="872194" cy="961893"/>
-            </a:xfrm>
-          </p:grpSpPr>
-          <p:cxnSp>
-            <p:nvCxnSpPr>
-              <p:cNvPr id="24" name="Straight Connector 23"/>
-              <p:cNvCxnSpPr/>
-              <p:nvPr/>
-            </p:nvCxnSpPr>
-            <p:spPr>
-              <a:xfrm>
-                <a:off x="4965894" y="2031038"/>
-                <a:ext cx="393893" cy="0"/>
-              </a:xfrm>
-              <a:prstGeom prst="line">
-                <a:avLst/>
-              </a:prstGeom>
-              <a:ln w="44450">
-                <a:solidFill>
-                  <a:schemeClr val="tx1"/>
-                </a:solidFill>
-              </a:ln>
-            </p:spPr>
-            <p:style>
-              <a:lnRef idx="1">
-                <a:schemeClr val="accent1"/>
-              </a:lnRef>
-              <a:fillRef idx="0">
-                <a:schemeClr val="accent1"/>
-              </a:fillRef>
-              <a:effectRef idx="0">
-                <a:schemeClr val="accent1"/>
-              </a:effectRef>
-              <a:fontRef idx="minor">
-                <a:schemeClr val="tx1"/>
-              </a:fontRef>
-            </p:style>
-          </p:cxnSp>
-          <p:cxnSp>
-            <p:nvCxnSpPr>
-              <p:cNvPr id="26" name="Straight Connector 25"/>
-              <p:cNvCxnSpPr/>
-              <p:nvPr/>
-            </p:nvCxnSpPr>
-            <p:spPr>
-              <a:xfrm flipV="1">
-                <a:off x="5359787" y="1069145"/>
-                <a:ext cx="0" cy="961893"/>
-              </a:xfrm>
-              <a:prstGeom prst="line">
-                <a:avLst/>
-              </a:prstGeom>
-              <a:ln w="44450">
-                <a:solidFill>
-                  <a:schemeClr val="tx1"/>
-                </a:solidFill>
-              </a:ln>
-            </p:spPr>
-            <p:style>
-              <a:lnRef idx="1">
-                <a:schemeClr val="accent1"/>
-              </a:lnRef>
-              <a:fillRef idx="0">
-                <a:schemeClr val="accent1"/>
-              </a:fillRef>
-              <a:effectRef idx="0">
-                <a:schemeClr val="accent1"/>
-              </a:effectRef>
-              <a:fontRef idx="minor">
-                <a:schemeClr val="tx1"/>
-              </a:fontRef>
-            </p:style>
-          </p:cxnSp>
-          <p:cxnSp>
-            <p:nvCxnSpPr>
-              <p:cNvPr id="28" name="Straight Arrow Connector 27"/>
-              <p:cNvCxnSpPr/>
-              <p:nvPr/>
-            </p:nvCxnSpPr>
-            <p:spPr>
-              <a:xfrm>
-                <a:off x="5359787" y="1083213"/>
-                <a:ext cx="478301" cy="0"/>
-              </a:xfrm>
-              <a:prstGeom prst="straightConnector1">
-                <a:avLst/>
-              </a:prstGeom>
-              <a:ln w="44450">
-                <a:solidFill>
-                  <a:schemeClr val="tx1"/>
-                </a:solidFill>
-                <a:tailEnd type="triangle"/>
-              </a:ln>
-            </p:spPr>
-            <p:style>
-              <a:lnRef idx="1">
-                <a:schemeClr val="accent1"/>
-              </a:lnRef>
-              <a:fillRef idx="0">
-                <a:schemeClr val="accent1"/>
-              </a:fillRef>
-              <a:effectRef idx="0">
-                <a:schemeClr val="accent1"/>
-              </a:effectRef>
-              <a:fontRef idx="minor">
-                <a:schemeClr val="tx1"/>
-              </a:fontRef>
-            </p:style>
-          </p:cxnSp>
-        </p:grpSp>
-        <p:cxnSp>
-          <p:nvCxnSpPr>
-            <p:cNvPr id="36" name="Straight Arrow Connector 35"/>
-            <p:cNvCxnSpPr/>
-            <p:nvPr/>
-          </p:nvCxnSpPr>
-          <p:spPr>
-            <a:xfrm>
-              <a:off x="5329303" y="955992"/>
-              <a:ext cx="478301" cy="0"/>
-            </a:xfrm>
-            <a:prstGeom prst="straightConnector1">
-              <a:avLst/>
-            </a:prstGeom>
-            <a:ln w="44450">
-              <a:solidFill>
-                <a:schemeClr val="tx1"/>
-              </a:solidFill>
-              <a:tailEnd type="triangle"/>
-            </a:ln>
-          </p:spPr>
-          <p:style>
-            <a:lnRef idx="1">
-              <a:schemeClr val="accent1"/>
-            </a:lnRef>
-            <a:fillRef idx="0">
-              <a:schemeClr val="accent1"/>
-            </a:fillRef>
-            <a:effectRef idx="0">
-              <a:schemeClr val="accent1"/>
-            </a:effectRef>
-            <a:fontRef idx="minor">
-              <a:schemeClr val="tx1"/>
-            </a:fontRef>
-          </p:style>
-        </p:cxnSp>
         <p:sp>
           <p:nvSpPr>
             <p:cNvPr id="37" name="TextBox 36"/>
@@ -4005,8 +4487,8 @@
             <p:nvPr/>
           </p:nvSpPr>
           <p:spPr>
-            <a:xfrm rot="16200000">
-              <a:off x="4684536" y="708622"/>
+            <a:xfrm>
+              <a:off x="3243605" y="2837307"/>
               <a:ext cx="872202" cy="369332"/>
             </a:xfrm>
             <a:prstGeom prst="rect">
@@ -4028,66 +4510,6 @@
             </a:p>
           </p:txBody>
         </p:sp>
-        <p:sp>
-          <p:nvSpPr>
-            <p:cNvPr id="38" name="TextBox 37"/>
-            <p:cNvSpPr txBox="1"/>
-            <p:nvPr/>
-          </p:nvSpPr>
-          <p:spPr>
-            <a:xfrm>
-              <a:off x="5908430" y="267287"/>
-              <a:ext cx="1308296" cy="369332"/>
-            </a:xfrm>
-            <a:prstGeom prst="rect">
-              <a:avLst/>
-            </a:prstGeom>
-            <a:noFill/>
-          </p:spPr>
-          <p:txBody>
-            <a:bodyPr wrap="square" rtlCol="0">
-              <a:spAutoFit/>
-            </a:bodyPr>
-            <a:lstStyle/>
-            <a:p>
-              <a:r>
-                <a:rPr lang="en-US" dirty="0" smtClean="0"/>
-                <a:t># Hashtags</a:t>
-              </a:r>
-              <a:endParaRPr lang="en-US" dirty="0"/>
-            </a:p>
-          </p:txBody>
-        </p:sp>
-        <p:sp>
-          <p:nvSpPr>
-            <p:cNvPr id="39" name="TextBox 38"/>
-            <p:cNvSpPr txBox="1"/>
-            <p:nvPr/>
-          </p:nvSpPr>
-          <p:spPr>
-            <a:xfrm>
-              <a:off x="5863878" y="771380"/>
-              <a:ext cx="1308296" cy="369332"/>
-            </a:xfrm>
-            <a:prstGeom prst="rect">
-              <a:avLst/>
-            </a:prstGeom>
-            <a:noFill/>
-          </p:spPr>
-          <p:txBody>
-            <a:bodyPr wrap="square" rtlCol="0">
-              <a:spAutoFit/>
-            </a:bodyPr>
-            <a:lstStyle/>
-            <a:p>
-              <a:r>
-                <a:rPr lang="en-US" dirty="0" smtClean="0"/>
-                <a:t>@mentions</a:t>
-              </a:r>
-              <a:endParaRPr lang="en-US" dirty="0"/>
-            </a:p>
-          </p:txBody>
-        </p:sp>
         <p:cxnSp>
           <p:nvCxnSpPr>
             <p:cNvPr id="41" name="Straight Arrow Connector 40"/>
@@ -4096,7 +4518,7 @@
           </p:nvCxnSpPr>
           <p:spPr>
             <a:xfrm>
-              <a:off x="4923690" y="2183935"/>
+              <a:off x="3251828" y="3525677"/>
               <a:ext cx="2799473" cy="0"/>
             </a:xfrm>
             <a:prstGeom prst="straightConnector1">
@@ -4132,13 +4554,12 @@
           </p:nvSpPr>
           <p:spPr>
             <a:xfrm>
-              <a:off x="5493429" y="1740258"/>
+              <a:off x="4547747" y="3199031"/>
               <a:ext cx="1659993" cy="369332"/>
             </a:xfrm>
             <a:prstGeom prst="rect">
               <a:avLst/>
             </a:prstGeom>
-            <a:noFill/>
           </p:spPr>
           <p:txBody>
             <a:bodyPr wrap="square" rtlCol="0">
@@ -4147,10 +4568,10 @@
             <a:lstStyle/>
             <a:p>
               <a:r>
-                <a:rPr lang="en-US" dirty="0" smtClean="0"/>
+                <a:rPr lang="en-US" b="1" dirty="0" smtClean="0"/>
                 <a:t>Tokenize Text</a:t>
               </a:r>
-              <a:endParaRPr lang="en-US" dirty="0"/>
+              <a:endParaRPr lang="en-US" b="1" dirty="0"/>
             </a:p>
           </p:txBody>
         </p:sp>
@@ -4176,7 +4597,7 @@
           </p:blipFill>
           <p:spPr>
             <a:xfrm>
-              <a:off x="8247147" y="1680965"/>
+              <a:off x="6445194" y="2673034"/>
               <a:ext cx="2409825" cy="857250"/>
             </a:xfrm>
             <a:prstGeom prst="rect">
@@ -4192,7 +4613,7 @@
           </p:nvCxnSpPr>
           <p:spPr>
             <a:xfrm>
-              <a:off x="5326955" y="1403820"/>
+              <a:off x="3449029" y="2900110"/>
               <a:ext cx="478301" cy="0"/>
             </a:xfrm>
             <a:prstGeom prst="straightConnector1">
@@ -4228,8 +4649,39 @@
           </p:nvSpPr>
           <p:spPr>
             <a:xfrm>
-              <a:off x="5945938" y="1205139"/>
-              <a:ext cx="2101152" cy="369332"/>
+              <a:off x="4044330" y="2413596"/>
+              <a:ext cx="1352373" cy="646331"/>
+            </a:xfrm>
+            <a:prstGeom prst="rect">
+              <a:avLst/>
+            </a:prstGeom>
+            <a:noFill/>
+          </p:spPr>
+          <p:txBody>
+            <a:bodyPr wrap="square" rtlCol="0">
+              <a:spAutoFit/>
+            </a:bodyPr>
+            <a:lstStyle/>
+            <a:p>
+              <a:pPr algn="ctr"/>
+              <a:r>
+                <a:rPr lang="en-US" dirty="0" smtClean="0"/>
+                <a:t>Date of publication</a:t>
+              </a:r>
+              <a:endParaRPr lang="en-US" dirty="0"/>
+            </a:p>
+          </p:txBody>
+        </p:sp>
+        <p:sp>
+          <p:nvSpPr>
+            <p:cNvPr id="21" name="TextBox 20"/>
+            <p:cNvSpPr txBox="1"/>
+            <p:nvPr/>
+          </p:nvSpPr>
+          <p:spPr>
+            <a:xfrm rot="16200000">
+              <a:off x="-338278" y="643400"/>
+              <a:ext cx="1554272" cy="523220"/>
             </a:xfrm>
             <a:prstGeom prst="rect">
               <a:avLst/>
@@ -4243,14 +4695,309 @@
             <a:lstStyle/>
             <a:p>
               <a:r>
+                <a:rPr lang="en-US" sz="1400" dirty="0" smtClean="0"/>
+                <a:t>PDF of Federal Document</a:t>
+              </a:r>
+              <a:endParaRPr lang="en-US" sz="1400" dirty="0"/>
+            </a:p>
+          </p:txBody>
+        </p:sp>
+        <p:cxnSp>
+          <p:nvCxnSpPr>
+            <p:cNvPr id="10" name="Elbow Connector 9"/>
+            <p:cNvCxnSpPr>
+              <a:stCxn id="5" idx="2"/>
+              <a:endCxn id="6" idx="0"/>
+            </p:cNvCxnSpPr>
+            <p:nvPr/>
+          </p:nvCxnSpPr>
+          <p:spPr>
+            <a:xfrm rot="16200000" flipH="1">
+              <a:off x="1195081" y="1682194"/>
+              <a:ext cx="1068452" cy="997933"/>
+            </a:xfrm>
+            <a:prstGeom prst="bentConnector3">
+              <a:avLst>
+                <a:gd name="adj1" fmla="val 50000"/>
+              </a:avLst>
+            </a:prstGeom>
+            <a:ln w="41275">
+              <a:tailEnd type="triangle"/>
+            </a:ln>
+          </p:spPr>
+          <p:style>
+            <a:lnRef idx="1">
+              <a:schemeClr val="dk1"/>
+            </a:lnRef>
+            <a:fillRef idx="0">
+              <a:schemeClr val="dk1"/>
+            </a:fillRef>
+            <a:effectRef idx="0">
+              <a:schemeClr val="dk1"/>
+            </a:effectRef>
+            <a:fontRef idx="minor">
+              <a:schemeClr val="tx1"/>
+            </a:fontRef>
+          </p:style>
+        </p:cxnSp>
+        <p:sp>
+          <p:nvSpPr>
+            <p:cNvPr id="29" name="TextBox 28"/>
+            <p:cNvSpPr txBox="1"/>
+            <p:nvPr/>
+          </p:nvSpPr>
+          <p:spPr>
+            <a:xfrm>
+              <a:off x="967107" y="1837268"/>
+              <a:ext cx="1566790" cy="646331"/>
+            </a:xfrm>
+            <a:prstGeom prst="rect">
+              <a:avLst/>
+            </a:prstGeom>
+            <a:noFill/>
+          </p:spPr>
+          <p:txBody>
+            <a:bodyPr wrap="square" rtlCol="0">
+              <a:spAutoFit/>
+            </a:bodyPr>
+            <a:lstStyle/>
+            <a:p>
+              <a:pPr algn="ctr"/>
+              <a:r>
+                <a:rPr lang="en-US" b="1" dirty="0" smtClean="0"/>
+                <a:t>Convert to Plain Text</a:t>
+              </a:r>
+              <a:endParaRPr lang="en-US" b="1" dirty="0"/>
+            </a:p>
+          </p:txBody>
+        </p:sp>
+        <p:sp>
+          <p:nvSpPr>
+            <p:cNvPr id="14" name="Left Brace 13"/>
+            <p:cNvSpPr/>
+            <p:nvPr/>
+          </p:nvSpPr>
+          <p:spPr>
+            <a:xfrm rot="16200000">
+              <a:off x="6525019" y="-721716"/>
+              <a:ext cx="81130" cy="10678500"/>
+            </a:xfrm>
+            <a:prstGeom prst="leftBrace">
+              <a:avLst>
+                <a:gd name="adj1" fmla="val 8333"/>
+                <a:gd name="adj2" fmla="val 48837"/>
+              </a:avLst>
+            </a:prstGeom>
+            <a:ln w="25400"/>
+          </p:spPr>
+          <p:style>
+            <a:lnRef idx="1">
+              <a:schemeClr val="dk1"/>
+            </a:lnRef>
+            <a:fillRef idx="0">
+              <a:schemeClr val="dk1"/>
+            </a:fillRef>
+            <a:effectRef idx="0">
+              <a:schemeClr val="dk1"/>
+            </a:effectRef>
+            <a:fontRef idx="minor">
+              <a:schemeClr val="tx1"/>
+            </a:fontRef>
+          </p:style>
+          <p:txBody>
+            <a:bodyPr rtlCol="0" anchor="ctr"/>
+            <a:lstStyle/>
+            <a:p>
+              <a:pPr algn="ctr"/>
+              <a:endParaRPr lang="en-US"/>
+            </a:p>
+          </p:txBody>
+        </p:sp>
+        <p:pic>
+          <p:nvPicPr>
+            <p:cNvPr id="15" name="Picture 14"/>
+            <p:cNvPicPr>
+              <a:picLocks noChangeAspect="1"/>
+            </p:cNvPicPr>
+            <p:nvPr/>
+          </p:nvPicPr>
+          <p:blipFill>
+            <a:blip r:embed="rId5">
+              <a:extLst>
+                <a:ext uri="{28A0092B-C50C-407E-A947-70E740481C1C}">
+                  <a14:useLocalDpi xmlns:a14="http://schemas.microsoft.com/office/drawing/2010/main" val="0"/>
+                </a:ext>
+              </a:extLst>
+            </a:blip>
+            <a:stretch>
+              <a:fillRect/>
+            </a:stretch>
+          </p:blipFill>
+          <p:spPr>
+            <a:xfrm>
+              <a:off x="4475333" y="4943553"/>
+              <a:ext cx="7429500" cy="1714100"/>
+            </a:xfrm>
+            <a:prstGeom prst="rect">
+              <a:avLst/>
+            </a:prstGeom>
+          </p:spPr>
+        </p:pic>
+        <p:sp>
+          <p:nvSpPr>
+            <p:cNvPr id="32" name="TextBox 31"/>
+            <p:cNvSpPr txBox="1"/>
+            <p:nvPr/>
+          </p:nvSpPr>
+          <p:spPr>
+            <a:xfrm>
+              <a:off x="2725512" y="5757587"/>
+              <a:ext cx="1659993" cy="646331"/>
+            </a:xfrm>
+            <a:prstGeom prst="rect">
+              <a:avLst/>
+            </a:prstGeom>
+            <a:noFill/>
+          </p:spPr>
+          <p:txBody>
+            <a:bodyPr wrap="square" rtlCol="0">
+              <a:spAutoFit/>
+            </a:bodyPr>
+            <a:lstStyle/>
+            <a:p>
+              <a:pPr algn="ctr"/>
+              <a:r>
                 <a:rPr lang="en-US" dirty="0" smtClean="0"/>
-                <a:t>Date of publication</a:t>
+                <a:t>Clean and Formatted Data</a:t>
               </a:r>
               <a:endParaRPr lang="en-US" dirty="0"/>
             </a:p>
           </p:txBody>
         </p:sp>
+        <p:sp>
+          <p:nvSpPr>
+            <p:cNvPr id="34" name="TextBox 33"/>
+            <p:cNvSpPr txBox="1"/>
+            <p:nvPr/>
+          </p:nvSpPr>
+          <p:spPr>
+            <a:xfrm rot="16200000">
+              <a:off x="187588" y="3013298"/>
+              <a:ext cx="1554272" cy="523220"/>
+            </a:xfrm>
+            <a:prstGeom prst="rect">
+              <a:avLst/>
+            </a:prstGeom>
+            <a:noFill/>
+          </p:spPr>
+          <p:txBody>
+            <a:bodyPr wrap="square" rtlCol="0">
+              <a:spAutoFit/>
+            </a:bodyPr>
+            <a:lstStyle/>
+            <a:p>
+              <a:r>
+                <a:rPr lang="en-US" sz="1400" dirty="0" smtClean="0"/>
+                <a:t>Text of Federal Document</a:t>
+              </a:r>
+              <a:endParaRPr lang="en-US" sz="1400" dirty="0"/>
+            </a:p>
+          </p:txBody>
+        </p:sp>
+        <p:sp>
+          <p:nvSpPr>
+            <p:cNvPr id="47" name="TextBox 46"/>
+            <p:cNvSpPr txBox="1"/>
+            <p:nvPr/>
+          </p:nvSpPr>
+          <p:spPr>
+            <a:xfrm>
+              <a:off x="6358726" y="3435714"/>
+              <a:ext cx="1954923" cy="307777"/>
+            </a:xfrm>
+            <a:prstGeom prst="rect">
+              <a:avLst/>
+            </a:prstGeom>
+            <a:noFill/>
+          </p:spPr>
+          <p:txBody>
+            <a:bodyPr wrap="square" rtlCol="0">
+              <a:spAutoFit/>
+            </a:bodyPr>
+            <a:lstStyle/>
+            <a:p>
+              <a:r>
+                <a:rPr lang="en-US" sz="1400" dirty="0" smtClean="0"/>
+                <a:t>Tokenized text</a:t>
+              </a:r>
+              <a:endParaRPr lang="en-US" sz="1400" dirty="0"/>
+            </a:p>
+          </p:txBody>
+        </p:sp>
+        <p:sp>
+          <p:nvSpPr>
+            <p:cNvPr id="48" name="TextBox 47"/>
+            <p:cNvSpPr txBox="1"/>
+            <p:nvPr/>
+          </p:nvSpPr>
+          <p:spPr>
+            <a:xfrm>
+              <a:off x="4258287" y="4262992"/>
+              <a:ext cx="4614591" cy="369332"/>
+            </a:xfrm>
+            <a:prstGeom prst="rect">
+              <a:avLst/>
+            </a:prstGeom>
+            <a:noFill/>
+          </p:spPr>
+          <p:txBody>
+            <a:bodyPr wrap="square" rtlCol="0">
+              <a:spAutoFit/>
+            </a:bodyPr>
+            <a:lstStyle/>
+            <a:p>
+              <a:r>
+                <a:rPr lang="en-US" b="1" dirty="0" smtClean="0"/>
+                <a:t>Put all Federal Data into a Pandas </a:t>
+              </a:r>
+              <a:r>
+                <a:rPr lang="en-US" b="1" dirty="0" err="1" smtClean="0"/>
+                <a:t>dataframe</a:t>
+              </a:r>
+              <a:endParaRPr lang="en-US" b="1" dirty="0"/>
+            </a:p>
+          </p:txBody>
+        </p:sp>
       </p:grpSp>
+      <p:sp>
+        <p:nvSpPr>
+          <p:cNvPr id="49" name="Title 1"/>
+          <p:cNvSpPr>
+            <a:spLocks noGrp="1"/>
+          </p:cNvSpPr>
+          <p:nvPr>
+            <p:ph type="title"/>
+          </p:nvPr>
+        </p:nvSpPr>
+        <p:spPr>
+          <a:xfrm>
+            <a:off x="5883874" y="433856"/>
+            <a:ext cx="4338819" cy="1325563"/>
+          </a:xfrm>
+        </p:spPr>
+        <p:txBody>
+          <a:bodyPr/>
+          <a:lstStyle/>
+          <a:p>
+            <a:pPr algn="ctr"/>
+            <a:r>
+              <a:rPr lang="en-US" b="1" dirty="0" smtClean="0"/>
+              <a:t>Federal Document Data Wrangling</a:t>
+            </a:r>
+            <a:endParaRPr lang="en-US" b="1" dirty="0"/>
+          </a:p>
+        </p:txBody>
+      </p:sp>
     </p:spTree>
     <p:extLst>
       <p:ext uri="{BB962C8B-B14F-4D97-AF65-F5344CB8AC3E}">
@@ -4261,6 +5008,13 @@
   <p:clrMapOvr>
     <a:masterClrMapping/>
   </p:clrMapOvr>
+  <p:timing>
+    <p:tnLst>
+      <p:par>
+        <p:cTn id="1" dur="indefinite" restart="never" nodeType="tmRoot"/>
+      </p:par>
+    </p:tnLst>
+  </p:timing>
 </p:sld>
 </file>
 
@@ -4319,22 +5073,6 @@
           <a:bodyPr/>
           <a:lstStyle/>
           <a:p>
-            <a:r>
-              <a:rPr lang="en-US" dirty="0" smtClean="0"/>
-              <a:t>Top words</a:t>
-            </a:r>
-          </a:p>
-          <a:p>
-            <a:r>
-              <a:rPr lang="en-US" dirty="0" smtClean="0"/>
-              <a:t>Top shared words</a:t>
-            </a:r>
-          </a:p>
-          <a:p>
-            <a:r>
-              <a:rPr lang="en-US" dirty="0" smtClean="0"/>
-              <a:t>Example of document topics</a:t>
-            </a:r>
             <a:endParaRPr lang="en-US" dirty="0"/>
           </a:p>
         </p:txBody>
@@ -4349,6 +5087,13 @@
   <p:clrMapOvr>
     <a:masterClrMapping/>
   </p:clrMapOvr>
+  <p:timing>
+    <p:tnLst>
+      <p:par>
+        <p:cTn id="1" dur="indefinite" restart="never" nodeType="tmRoot"/>
+      </p:par>
+    </p:tnLst>
+  </p:timing>
 </p:sld>
 </file>
 
@@ -4379,42 +5124,59 @@
             <p:ph type="title"/>
           </p:nvPr>
         </p:nvSpPr>
-        <p:spPr/>
-        <p:txBody>
-          <a:bodyPr/>
-          <a:lstStyle/>
-          <a:p>
+        <p:spPr>
+          <a:xfrm>
+            <a:off x="838199" y="-265944"/>
+            <a:ext cx="10515600" cy="1325563"/>
+          </a:xfrm>
+        </p:spPr>
+        <p:txBody>
+          <a:bodyPr/>
+          <a:lstStyle/>
+          <a:p>
+            <a:pPr algn="ctr"/>
             <a:r>
               <a:rPr lang="en-US" dirty="0" smtClean="0"/>
-              <a:t>Cosine Similarity</a:t>
+              <a:t>Top 20 Hashtags</a:t>
             </a:r>
             <a:endParaRPr lang="en-US" dirty="0"/>
           </a:p>
         </p:txBody>
       </p:sp>
-      <p:sp>
-        <p:nvSpPr>
-          <p:cNvPr id="3" name="Content Placeholder 2"/>
-          <p:cNvSpPr>
-            <a:spLocks noGrp="1"/>
-          </p:cNvSpPr>
-          <p:nvPr>
-            <p:ph idx="1"/>
-          </p:nvPr>
-        </p:nvSpPr>
-        <p:spPr/>
-        <p:txBody>
-          <a:bodyPr/>
-          <a:lstStyle/>
-          <a:p>
-            <a:endParaRPr lang="en-US"/>
-          </a:p>
-        </p:txBody>
-      </p:sp>
+      <p:pic>
+        <p:nvPicPr>
+          <p:cNvPr id="5" name="Picture 4"/>
+          <p:cNvPicPr>
+            <a:picLocks noChangeAspect="1"/>
+          </p:cNvPicPr>
+          <p:nvPr/>
+        </p:nvPicPr>
+        <p:blipFill>
+          <a:blip r:embed="rId2">
+            <a:extLst>
+              <a:ext uri="{28A0092B-C50C-407E-A947-70E740481C1C}">
+                <a14:useLocalDpi xmlns:a14="http://schemas.microsoft.com/office/drawing/2010/main" val="0"/>
+              </a:ext>
+            </a:extLst>
+          </a:blip>
+          <a:stretch>
+            <a:fillRect/>
+          </a:stretch>
+        </p:blipFill>
+        <p:spPr>
+          <a:xfrm>
+            <a:off x="2087647" y="888644"/>
+            <a:ext cx="8016704" cy="5726218"/>
+          </a:xfrm>
+          <a:prstGeom prst="rect">
+            <a:avLst/>
+          </a:prstGeom>
+        </p:spPr>
+      </p:pic>
     </p:spTree>
     <p:extLst>
       <p:ext uri="{BB962C8B-B14F-4D97-AF65-F5344CB8AC3E}">
-        <p14:creationId xmlns:p14="http://schemas.microsoft.com/office/powerpoint/2010/main" val="3254940139"/>
+        <p14:creationId xmlns:p14="http://schemas.microsoft.com/office/powerpoint/2010/main" val="4118177949"/>
       </p:ext>
     </p:extLst>
   </p:cSld>
@@ -4443,50 +5205,96 @@
       </p:grpSpPr>
       <p:sp>
         <p:nvSpPr>
-          <p:cNvPr id="2" name="Title 1"/>
-          <p:cNvSpPr>
-            <a:spLocks noGrp="1"/>
-          </p:cNvSpPr>
-          <p:nvPr>
-            <p:ph type="title"/>
-          </p:nvPr>
-        </p:nvSpPr>
-        <p:spPr/>
-        <p:txBody>
-          <a:bodyPr/>
-          <a:lstStyle/>
-          <a:p>
+          <p:cNvPr id="3" name="Title 1"/>
+          <p:cNvSpPr txBox="1">
+            <a:spLocks/>
+          </p:cNvSpPr>
+          <p:nvPr/>
+        </p:nvSpPr>
+        <p:spPr>
+          <a:xfrm>
+            <a:off x="838199" y="-265944"/>
+            <a:ext cx="10515600" cy="1325563"/>
+          </a:xfrm>
+          <a:prstGeom prst="rect">
+            <a:avLst/>
+          </a:prstGeom>
+        </p:spPr>
+        <p:txBody>
+          <a:bodyPr vert="horz" lIns="91440" tIns="45720" rIns="91440" bIns="45720" rtlCol="0" anchor="ctr">
+            <a:normAutofit/>
+          </a:bodyPr>
+          <a:lstStyle>
+            <a:lvl1pPr algn="l" defTabSz="914400" rtl="0" eaLnBrk="1" latinLnBrk="0" hangingPunct="1">
+              <a:lnSpc>
+                <a:spcPct val="90000"/>
+              </a:lnSpc>
+              <a:spcBef>
+                <a:spcPct val="0"/>
+              </a:spcBef>
+              <a:buNone/>
+              <a:defRPr sz="4400" kern="1200">
+                <a:solidFill>
+                  <a:schemeClr val="tx1"/>
+                </a:solidFill>
+                <a:latin typeface="+mj-lt"/>
+                <a:ea typeface="+mj-ea"/>
+                <a:cs typeface="+mj-cs"/>
+              </a:defRPr>
+            </a:lvl1pPr>
+          </a:lstStyle>
+          <a:p>
+            <a:pPr algn="ctr"/>
             <a:r>
               <a:rPr lang="en-US" dirty="0" smtClean="0"/>
-              <a:t>Analysis Results</a:t>
+              <a:t>Top 20 </a:t>
+            </a:r>
+            <a:r>
+              <a:rPr lang="en-US" dirty="0"/>
+              <a:t>@</a:t>
+            </a:r>
+            <a:r>
+              <a:rPr lang="en-US" dirty="0" smtClean="0"/>
+              <a:t>tags</a:t>
             </a:r>
             <a:endParaRPr lang="en-US" dirty="0"/>
           </a:p>
         </p:txBody>
       </p:sp>
-      <p:sp>
-        <p:nvSpPr>
-          <p:cNvPr id="3" name="Content Placeholder 2"/>
-          <p:cNvSpPr>
-            <a:spLocks noGrp="1"/>
-          </p:cNvSpPr>
-          <p:nvPr>
-            <p:ph idx="1"/>
-          </p:nvPr>
-        </p:nvSpPr>
-        <p:spPr/>
-        <p:txBody>
-          <a:bodyPr/>
-          <a:lstStyle/>
-          <a:p>
-            <a:endParaRPr lang="en-US"/>
-          </a:p>
-        </p:txBody>
-      </p:sp>
+      <p:pic>
+        <p:nvPicPr>
+          <p:cNvPr id="4" name="Picture 3"/>
+          <p:cNvPicPr>
+            <a:picLocks noChangeAspect="1"/>
+          </p:cNvPicPr>
+          <p:nvPr/>
+        </p:nvPicPr>
+        <p:blipFill>
+          <a:blip r:embed="rId2">
+            <a:extLst>
+              <a:ext uri="{28A0092B-C50C-407E-A947-70E740481C1C}">
+                <a14:useLocalDpi xmlns:a14="http://schemas.microsoft.com/office/drawing/2010/main" val="0"/>
+              </a:ext>
+            </a:extLst>
+          </a:blip>
+          <a:stretch>
+            <a:fillRect/>
+          </a:stretch>
+        </p:blipFill>
+        <p:spPr>
+          <a:xfrm>
+            <a:off x="1929147" y="725050"/>
+            <a:ext cx="8333704" cy="5952646"/>
+          </a:xfrm>
+          <a:prstGeom prst="rect">
+            <a:avLst/>
+          </a:prstGeom>
+        </p:spPr>
+      </p:pic>
     </p:spTree>
     <p:extLst>
       <p:ext uri="{BB962C8B-B14F-4D97-AF65-F5344CB8AC3E}">
-        <p14:creationId xmlns:p14="http://schemas.microsoft.com/office/powerpoint/2010/main" val="3234620026"/>
+        <p14:creationId xmlns:p14="http://schemas.microsoft.com/office/powerpoint/2010/main" val="1085413728"/>
       </p:ext>
     </p:extLst>
   </p:cSld>

--- a/Twitter and Politics.pptx
+++ b/Twitter and Politics.pptx
@@ -17,10 +17,14 @@
     <p:sldId id="269" r:id="rId11"/>
     <p:sldId id="270" r:id="rId12"/>
     <p:sldId id="271" r:id="rId13"/>
-    <p:sldId id="262" r:id="rId14"/>
-    <p:sldId id="263" r:id="rId15"/>
-    <p:sldId id="264" r:id="rId16"/>
-    <p:sldId id="265" r:id="rId17"/>
+    <p:sldId id="272" r:id="rId14"/>
+    <p:sldId id="273" r:id="rId15"/>
+    <p:sldId id="274" r:id="rId16"/>
+    <p:sldId id="275" r:id="rId17"/>
+    <p:sldId id="262" r:id="rId18"/>
+    <p:sldId id="263" r:id="rId19"/>
+    <p:sldId id="264" r:id="rId20"/>
+    <p:sldId id="265" r:id="rId21"/>
   </p:sldIdLst>
   <p:sldSz cx="12192000" cy="6858000"/>
   <p:notesSz cx="6858000" cy="9144000"/>
@@ -3302,8 +3306,8 @@
         </p:nvSpPr>
         <p:spPr>
           <a:xfrm>
-            <a:off x="9697792" y="574796"/>
-            <a:ext cx="2859110" cy="5169181"/>
+            <a:off x="0" y="0"/>
+            <a:ext cx="12192000" cy="1120462"/>
           </a:xfrm>
           <a:prstGeom prst="rect">
             <a:avLst/>
@@ -3311,7 +3315,7 @@
         </p:spPr>
         <p:txBody>
           <a:bodyPr vert="horz" lIns="91440" tIns="45720" rIns="91440" bIns="45720" rtlCol="0" anchor="ctr">
-            <a:normAutofit/>
+            <a:normAutofit lnSpcReduction="10000"/>
           </a:bodyPr>
           <a:lstStyle>
             <a:lvl1pPr algn="l" defTabSz="914400" rtl="0" eaLnBrk="1" latinLnBrk="0" hangingPunct="1">
@@ -3333,14 +3337,45 @@
             </a:lvl1pPr>
           </a:lstStyle>
           <a:p>
+            <a:pPr algn="ctr"/>
             <a:r>
               <a:rPr lang="en-US" sz="4000" dirty="0" smtClean="0"/>
-              <a:t>Top 30 words used in Donald Trump’s tweets  </a:t>
+              <a:t>Words used in the most number of Federal documents that were also used in tweets</a:t>
             </a:r>
             <a:endParaRPr lang="en-US" sz="4000" dirty="0"/>
           </a:p>
         </p:txBody>
       </p:sp>
+      <p:pic>
+        <p:nvPicPr>
+          <p:cNvPr id="9" name="Picture 8"/>
+          <p:cNvPicPr>
+            <a:picLocks noChangeAspect="1"/>
+          </p:cNvPicPr>
+          <p:nvPr/>
+        </p:nvPicPr>
+        <p:blipFill>
+          <a:blip r:embed="rId2">
+            <a:extLst>
+              <a:ext uri="{28A0092B-C50C-407E-A947-70E740481C1C}">
+                <a14:useLocalDpi xmlns:a14="http://schemas.microsoft.com/office/drawing/2010/main" val="0"/>
+              </a:ext>
+            </a:extLst>
+          </a:blip>
+          <a:stretch>
+            <a:fillRect/>
+          </a:stretch>
+        </p:blipFill>
+        <p:spPr>
+          <a:xfrm>
+            <a:off x="1415603" y="1002251"/>
+            <a:ext cx="9360794" cy="6017653"/>
+          </a:xfrm>
+          <a:prstGeom prst="rect">
+            <a:avLst/>
+          </a:prstGeom>
+        </p:spPr>
+      </p:pic>
     </p:spTree>
     <p:extLst>
       <p:ext uri="{BB962C8B-B14F-4D97-AF65-F5344CB8AC3E}">
@@ -3373,50 +3408,88 @@
       </p:grpSpPr>
       <p:sp>
         <p:nvSpPr>
-          <p:cNvPr id="2" name="Title 1"/>
-          <p:cNvSpPr>
-            <a:spLocks noGrp="1"/>
-          </p:cNvSpPr>
-          <p:nvPr>
-            <p:ph type="title"/>
-          </p:nvPr>
-        </p:nvSpPr>
-        <p:spPr/>
-        <p:txBody>
-          <a:bodyPr/>
-          <a:lstStyle/>
-          <a:p>
-            <a:r>
-              <a:rPr lang="en-US" dirty="0" smtClean="0"/>
-              <a:t>Cosine Similarity</a:t>
-            </a:r>
-            <a:endParaRPr lang="en-US" dirty="0"/>
-          </a:p>
-        </p:txBody>
-      </p:sp>
-      <p:sp>
-        <p:nvSpPr>
-          <p:cNvPr id="3" name="Content Placeholder 2"/>
-          <p:cNvSpPr>
-            <a:spLocks noGrp="1"/>
-          </p:cNvSpPr>
-          <p:nvPr>
-            <p:ph idx="1"/>
-          </p:nvPr>
-        </p:nvSpPr>
-        <p:spPr/>
-        <p:txBody>
-          <a:bodyPr/>
-          <a:lstStyle/>
-          <a:p>
-            <a:endParaRPr lang="en-US"/>
-          </a:p>
-        </p:txBody>
-      </p:sp>
+          <p:cNvPr id="3" name="Title 1"/>
+          <p:cNvSpPr txBox="1">
+            <a:spLocks/>
+          </p:cNvSpPr>
+          <p:nvPr/>
+        </p:nvSpPr>
+        <p:spPr>
+          <a:xfrm>
+            <a:off x="0" y="0"/>
+            <a:ext cx="12192000" cy="1120462"/>
+          </a:xfrm>
+          <a:prstGeom prst="rect">
+            <a:avLst/>
+          </a:prstGeom>
+        </p:spPr>
+        <p:txBody>
+          <a:bodyPr vert="horz" lIns="91440" tIns="45720" rIns="91440" bIns="45720" rtlCol="0" anchor="ctr">
+            <a:normAutofit lnSpcReduction="10000"/>
+          </a:bodyPr>
+          <a:lstStyle>
+            <a:lvl1pPr algn="l" defTabSz="914400" rtl="0" eaLnBrk="1" latinLnBrk="0" hangingPunct="1">
+              <a:lnSpc>
+                <a:spcPct val="90000"/>
+              </a:lnSpc>
+              <a:spcBef>
+                <a:spcPct val="0"/>
+              </a:spcBef>
+              <a:buNone/>
+              <a:defRPr sz="4400" kern="1200">
+                <a:solidFill>
+                  <a:schemeClr val="tx1"/>
+                </a:solidFill>
+                <a:latin typeface="+mj-lt"/>
+                <a:ea typeface="+mj-ea"/>
+                <a:cs typeface="+mj-cs"/>
+              </a:defRPr>
+            </a:lvl1pPr>
+          </a:lstStyle>
+          <a:p>
+            <a:pPr algn="ctr"/>
+            <a:r>
+              <a:rPr lang="en-US" sz="4000" dirty="0" smtClean="0"/>
+              <a:t>Words used in the most number of tweets that were also used in federal documents</a:t>
+            </a:r>
+            <a:endParaRPr lang="en-US" sz="4000" dirty="0"/>
+          </a:p>
+        </p:txBody>
+      </p:sp>
+      <p:pic>
+        <p:nvPicPr>
+          <p:cNvPr id="5" name="Picture 4"/>
+          <p:cNvPicPr>
+            <a:picLocks noChangeAspect="1"/>
+          </p:cNvPicPr>
+          <p:nvPr/>
+        </p:nvPicPr>
+        <p:blipFill>
+          <a:blip r:embed="rId2">
+            <a:extLst>
+              <a:ext uri="{28A0092B-C50C-407E-A947-70E740481C1C}">
+                <a14:useLocalDpi xmlns:a14="http://schemas.microsoft.com/office/drawing/2010/main" val="0"/>
+              </a:ext>
+            </a:extLst>
+          </a:blip>
+          <a:stretch>
+            <a:fillRect/>
+          </a:stretch>
+        </p:blipFill>
+        <p:spPr>
+          <a:xfrm>
+            <a:off x="1727916" y="1241892"/>
+            <a:ext cx="8736168" cy="5616108"/>
+          </a:xfrm>
+          <a:prstGeom prst="rect">
+            <a:avLst/>
+          </a:prstGeom>
+        </p:spPr>
+      </p:pic>
     </p:spTree>
     <p:extLst>
       <p:ext uri="{BB962C8B-B14F-4D97-AF65-F5344CB8AC3E}">
-        <p14:creationId xmlns:p14="http://schemas.microsoft.com/office/powerpoint/2010/main" val="3254940139"/>
+        <p14:creationId xmlns:p14="http://schemas.microsoft.com/office/powerpoint/2010/main" val="972443351"/>
       </p:ext>
     </p:extLst>
   </p:cSld>
@@ -3445,50 +3518,88 @@
       </p:grpSpPr>
       <p:sp>
         <p:nvSpPr>
-          <p:cNvPr id="2" name="Title 1"/>
-          <p:cNvSpPr>
-            <a:spLocks noGrp="1"/>
-          </p:cNvSpPr>
-          <p:nvPr>
-            <p:ph type="title"/>
-          </p:nvPr>
-        </p:nvSpPr>
-        <p:spPr/>
-        <p:txBody>
-          <a:bodyPr/>
-          <a:lstStyle/>
-          <a:p>
-            <a:r>
-              <a:rPr lang="en-US" dirty="0" smtClean="0"/>
-              <a:t>Analysis Results</a:t>
-            </a:r>
-            <a:endParaRPr lang="en-US" dirty="0"/>
-          </a:p>
-        </p:txBody>
-      </p:sp>
-      <p:sp>
-        <p:nvSpPr>
-          <p:cNvPr id="3" name="Content Placeholder 2"/>
-          <p:cNvSpPr>
-            <a:spLocks noGrp="1"/>
-          </p:cNvSpPr>
-          <p:nvPr>
-            <p:ph idx="1"/>
-          </p:nvPr>
-        </p:nvSpPr>
-        <p:spPr/>
-        <p:txBody>
-          <a:bodyPr/>
-          <a:lstStyle/>
-          <a:p>
-            <a:endParaRPr lang="en-US"/>
-          </a:p>
-        </p:txBody>
-      </p:sp>
+          <p:cNvPr id="3" name="Title 1"/>
+          <p:cNvSpPr txBox="1">
+            <a:spLocks/>
+          </p:cNvSpPr>
+          <p:nvPr/>
+        </p:nvSpPr>
+        <p:spPr>
+          <a:xfrm>
+            <a:off x="0" y="0"/>
+            <a:ext cx="12192000" cy="1120462"/>
+          </a:xfrm>
+          <a:prstGeom prst="rect">
+            <a:avLst/>
+          </a:prstGeom>
+        </p:spPr>
+        <p:txBody>
+          <a:bodyPr vert="horz" lIns="91440" tIns="45720" rIns="91440" bIns="45720" rtlCol="0" anchor="ctr">
+            <a:normAutofit lnSpcReduction="10000"/>
+          </a:bodyPr>
+          <a:lstStyle>
+            <a:lvl1pPr algn="l" defTabSz="914400" rtl="0" eaLnBrk="1" latinLnBrk="0" hangingPunct="1">
+              <a:lnSpc>
+                <a:spcPct val="90000"/>
+              </a:lnSpc>
+              <a:spcBef>
+                <a:spcPct val="0"/>
+              </a:spcBef>
+              <a:buNone/>
+              <a:defRPr sz="4400" kern="1200">
+                <a:solidFill>
+                  <a:schemeClr val="tx1"/>
+                </a:solidFill>
+                <a:latin typeface="+mj-lt"/>
+                <a:ea typeface="+mj-ea"/>
+                <a:cs typeface="+mj-cs"/>
+              </a:defRPr>
+            </a:lvl1pPr>
+          </a:lstStyle>
+          <a:p>
+            <a:pPr algn="ctr"/>
+            <a:r>
+              <a:rPr lang="en-US" sz="4000" dirty="0" smtClean="0"/>
+              <a:t>Word that have the same document frequency for tweets and federal documents</a:t>
+            </a:r>
+            <a:endParaRPr lang="en-US" sz="4000" dirty="0"/>
+          </a:p>
+        </p:txBody>
+      </p:sp>
+      <p:pic>
+        <p:nvPicPr>
+          <p:cNvPr id="2" name="Picture 1"/>
+          <p:cNvPicPr>
+            <a:picLocks noChangeAspect="1"/>
+          </p:cNvPicPr>
+          <p:nvPr/>
+        </p:nvPicPr>
+        <p:blipFill>
+          <a:blip r:embed="rId2">
+            <a:extLst>
+              <a:ext uri="{28A0092B-C50C-407E-A947-70E740481C1C}">
+                <a14:useLocalDpi xmlns:a14="http://schemas.microsoft.com/office/drawing/2010/main" val="0"/>
+              </a:ext>
+            </a:extLst>
+          </a:blip>
+          <a:stretch>
+            <a:fillRect/>
+          </a:stretch>
+        </p:blipFill>
+        <p:spPr>
+          <a:xfrm>
+            <a:off x="1066800" y="1004552"/>
+            <a:ext cx="10238704" cy="5850688"/>
+          </a:xfrm>
+          <a:prstGeom prst="rect">
+            <a:avLst/>
+          </a:prstGeom>
+        </p:spPr>
+      </p:pic>
     </p:spTree>
     <p:extLst>
       <p:ext uri="{BB962C8B-B14F-4D97-AF65-F5344CB8AC3E}">
-        <p14:creationId xmlns:p14="http://schemas.microsoft.com/office/powerpoint/2010/main" val="3234620026"/>
+        <p14:creationId xmlns:p14="http://schemas.microsoft.com/office/powerpoint/2010/main" val="2439363937"/>
       </p:ext>
     </p:extLst>
   </p:cSld>
@@ -3525,14 +3636,24 @@
             <p:ph type="title"/>
           </p:nvPr>
         </p:nvSpPr>
-        <p:spPr/>
+        <p:spPr>
+          <a:xfrm>
+            <a:off x="0" y="0"/>
+            <a:ext cx="12192000" cy="1325563"/>
+          </a:xfrm>
+        </p:spPr>
         <p:txBody>
           <a:bodyPr/>
           <a:lstStyle/>
           <a:p>
+            <a:pPr algn="ctr"/>
+            <a:r>
+              <a:rPr lang="en-US" dirty="0"/>
+              <a:t> </a:t>
+            </a:r>
             <a:r>
               <a:rPr lang="en-US" dirty="0" smtClean="0"/>
-              <a:t>Topics of Similar Documents</a:t>
+              <a:t>Conclusions from Exploratory Analysis</a:t>
             </a:r>
             <a:endParaRPr lang="en-US" dirty="0"/>
           </a:p>
@@ -3550,17 +3671,52 @@
         </p:nvSpPr>
         <p:spPr/>
         <p:txBody>
-          <a:bodyPr/>
+          <a:bodyPr>
+            <a:normAutofit/>
+          </a:bodyPr>
           <a:lstStyle/>
           <a:p>
-            <a:endParaRPr lang="en-US"/>
+            <a:r>
+              <a:rPr lang="en-US" dirty="0" smtClean="0"/>
+              <a:t>Tweets and Executive Office Documents have very different vocabulary</a:t>
+            </a:r>
+          </a:p>
+          <a:p>
+            <a:endParaRPr lang="en-US" dirty="0" smtClean="0"/>
+          </a:p>
+          <a:p>
+            <a:r>
+              <a:rPr lang="en-US" dirty="0" smtClean="0"/>
+              <a:t>Words used in tweets are not common in federal documents and </a:t>
+            </a:r>
+            <a:r>
+              <a:rPr lang="en-US" i="1" dirty="0" smtClean="0"/>
+              <a:t>vice versa</a:t>
+            </a:r>
+          </a:p>
+          <a:p>
+            <a:endParaRPr lang="en-US" i="1" dirty="0" smtClean="0"/>
+          </a:p>
+          <a:p>
+            <a:r>
+              <a:rPr lang="en-US" dirty="0" smtClean="0"/>
+              <a:t>Direct </a:t>
+            </a:r>
+            <a:r>
+              <a:rPr lang="en-US" dirty="0"/>
+              <a:t>comparison </a:t>
+            </a:r>
+            <a:r>
+              <a:rPr lang="en-US" dirty="0" smtClean="0"/>
+              <a:t>of words will not be an effective method to determine similarity</a:t>
+            </a:r>
           </a:p>
         </p:txBody>
       </p:sp>
     </p:spTree>
     <p:extLst>
       <p:ext uri="{BB962C8B-B14F-4D97-AF65-F5344CB8AC3E}">
-        <p14:creationId xmlns:p14="http://schemas.microsoft.com/office/powerpoint/2010/main" val="4263925843"/>
+        <p14:creationId xmlns:p14="http://schemas.microsoft.com/office/powerpoint/2010/main" val="383036640"/>
       </p:ext>
     </p:extLst>
   </p:cSld>
@@ -3589,7 +3745,7 @@
       </p:grpSpPr>
       <p:sp>
         <p:nvSpPr>
-          <p:cNvPr id="2" name="Title 1"/>
+          <p:cNvPr id="6" name="Title 5"/>
           <p:cNvSpPr>
             <a:spLocks noGrp="1"/>
           </p:cNvSpPr>
@@ -3597,22 +3753,27 @@
             <p:ph type="title"/>
           </p:nvPr>
         </p:nvSpPr>
-        <p:spPr/>
+        <p:spPr>
+          <a:xfrm>
+            <a:off x="838200" y="0"/>
+            <a:ext cx="10515600" cy="1325563"/>
+          </a:xfrm>
+        </p:spPr>
         <p:txBody>
           <a:bodyPr/>
           <a:lstStyle/>
           <a:p>
             <a:r>
-              <a:rPr lang="en-US" smtClean="0"/>
-              <a:t>Conclusion</a:t>
-            </a:r>
-            <a:endParaRPr lang="en-US"/>
-          </a:p>
-        </p:txBody>
-      </p:sp>
-      <p:sp>
-        <p:nvSpPr>
-          <p:cNvPr id="3" name="Content Placeholder 2"/>
+              <a:rPr lang="en-US" dirty="0" smtClean="0"/>
+              <a:t>Similarity Analysis Methodology</a:t>
+            </a:r>
+            <a:endParaRPr lang="en-US" dirty="0"/>
+          </a:p>
+        </p:txBody>
+      </p:sp>
+      <p:sp>
+        <p:nvSpPr>
+          <p:cNvPr id="7" name="Content Placeholder 6"/>
           <p:cNvSpPr>
             <a:spLocks noGrp="1"/>
           </p:cNvSpPr>
@@ -3620,19 +3781,1827 @@
             <p:ph idx="1"/>
           </p:nvPr>
         </p:nvSpPr>
-        <p:spPr/>
-        <p:txBody>
-          <a:bodyPr/>
+        <p:spPr>
+          <a:xfrm>
+            <a:off x="838200" y="1184856"/>
+            <a:ext cx="10515600" cy="5525037"/>
+          </a:xfrm>
+        </p:spPr>
+        <p:txBody>
+          <a:bodyPr>
+            <a:normAutofit/>
+          </a:bodyPr>
           <a:lstStyle/>
           <a:p>
-            <a:endParaRPr lang="en-US"/>
-          </a:p>
-        </p:txBody>
-      </p:sp>
+            <a:r>
+              <a:rPr lang="en-US" dirty="0" smtClean="0"/>
+              <a:t>Represent document as a matrix </a:t>
+            </a:r>
+            <a:r>
+              <a:rPr lang="en-US" sz="1600" dirty="0" smtClean="0"/>
+              <a:t>(figure 1)</a:t>
+            </a:r>
+          </a:p>
+          <a:p>
+            <a:pPr lvl="1"/>
+            <a:r>
+              <a:rPr lang="en-US" dirty="0" smtClean="0"/>
+              <a:t>Apply term frequency-inverse document frequency (</a:t>
+            </a:r>
+            <a:r>
+              <a:rPr lang="en-US" dirty="0" err="1" smtClean="0"/>
+              <a:t>tf-idf</a:t>
+            </a:r>
+            <a:r>
+              <a:rPr lang="en-US" dirty="0" smtClean="0"/>
+              <a:t>) model to all data documents</a:t>
+            </a:r>
+          </a:p>
+          <a:p>
+            <a:pPr lvl="2"/>
+            <a:r>
+              <a:rPr lang="en-US" dirty="0" smtClean="0"/>
+              <a:t>Removes nonsense words</a:t>
+            </a:r>
+          </a:p>
+          <a:p>
+            <a:pPr lvl="2"/>
+            <a:r>
+              <a:rPr lang="en-US" dirty="0" smtClean="0"/>
+              <a:t>Remove words that appear in 99% of all the documents</a:t>
+            </a:r>
+          </a:p>
+          <a:p>
+            <a:pPr lvl="2"/>
+            <a:r>
+              <a:rPr lang="en-US" dirty="0" smtClean="0"/>
+              <a:t>Represents documents as a matrix of possible words</a:t>
+            </a:r>
+          </a:p>
+          <a:p>
+            <a:r>
+              <a:rPr lang="en-US" dirty="0" smtClean="0"/>
+              <a:t> Apply non-zero matrix factorization (NMF)</a:t>
+            </a:r>
+            <a:r>
+              <a:rPr lang="en-US" dirty="0"/>
+              <a:t> </a:t>
+            </a:r>
+            <a:r>
+              <a:rPr lang="en-US" sz="1600" dirty="0"/>
+              <a:t>(figure </a:t>
+            </a:r>
+            <a:r>
+              <a:rPr lang="en-US" sz="1600" dirty="0" smtClean="0"/>
+              <a:t>2)</a:t>
+            </a:r>
+          </a:p>
+          <a:p>
+            <a:pPr lvl="1"/>
+            <a:r>
+              <a:rPr lang="en-US" dirty="0" smtClean="0"/>
+              <a:t>Decomposes feature matrix(V) into component parts (W,H)</a:t>
+            </a:r>
+          </a:p>
+          <a:p>
+            <a:pPr lvl="1"/>
+            <a:r>
+              <a:rPr lang="en-US" dirty="0" smtClean="0"/>
+              <a:t>Components are groups of  words which </a:t>
+            </a:r>
+          </a:p>
+          <a:p>
+            <a:pPr marL="457200" lvl="1" indent="0">
+              <a:buNone/>
+            </a:pPr>
+            <a:r>
+              <a:rPr lang="en-US" dirty="0"/>
+              <a:t> </a:t>
+            </a:r>
+            <a:r>
+              <a:rPr lang="en-US" dirty="0" smtClean="0"/>
+              <a:t>  represent a topic</a:t>
+            </a:r>
+            <a:endParaRPr lang="en-US" dirty="0"/>
+          </a:p>
+          <a:p>
+            <a:endParaRPr lang="en-US" dirty="0" smtClean="0"/>
+          </a:p>
+          <a:p>
+            <a:r>
+              <a:rPr lang="en-US" dirty="0" smtClean="0"/>
+              <a:t>Group documents based on similarity of components using Cosine Similarity</a:t>
+            </a:r>
+          </a:p>
+          <a:p>
+            <a:endParaRPr lang="en-US" dirty="0"/>
+          </a:p>
+          <a:p>
+            <a:endParaRPr lang="en-US" dirty="0" smtClean="0"/>
+          </a:p>
+          <a:p>
+            <a:pPr lvl="1"/>
+            <a:endParaRPr lang="en-US" dirty="0"/>
+          </a:p>
+          <a:p>
+            <a:endParaRPr lang="en-US" dirty="0" smtClean="0"/>
+          </a:p>
+        </p:txBody>
+      </p:sp>
+      <p:pic>
+        <p:nvPicPr>
+          <p:cNvPr id="11" name="Picture 10"/>
+          <p:cNvPicPr>
+            <a:picLocks noChangeAspect="1"/>
+          </p:cNvPicPr>
+          <p:nvPr/>
+        </p:nvPicPr>
+        <p:blipFill>
+          <a:blip r:embed="rId2">
+            <a:extLst>
+              <a:ext uri="{28A0092B-C50C-407E-A947-70E740481C1C}">
+                <a14:useLocalDpi xmlns:a14="http://schemas.microsoft.com/office/drawing/2010/main" val="0"/>
+              </a:ext>
+            </a:extLst>
+          </a:blip>
+          <a:stretch>
+            <a:fillRect/>
+          </a:stretch>
+        </p:blipFill>
+        <p:spPr>
+          <a:xfrm>
+            <a:off x="8864002" y="2249381"/>
+            <a:ext cx="2134555" cy="1212588"/>
+          </a:xfrm>
+          <a:prstGeom prst="rect">
+            <a:avLst/>
+          </a:prstGeom>
+        </p:spPr>
+      </p:pic>
+      <p:pic>
+        <p:nvPicPr>
+          <p:cNvPr id="15" name="Picture 14"/>
+          <p:cNvPicPr>
+            <a:picLocks noChangeAspect="1"/>
+          </p:cNvPicPr>
+          <p:nvPr/>
+        </p:nvPicPr>
+        <p:blipFill>
+          <a:blip r:embed="rId3">
+            <a:extLst>
+              <a:ext uri="{28A0092B-C50C-407E-A947-70E740481C1C}">
+                <a14:useLocalDpi xmlns:a14="http://schemas.microsoft.com/office/drawing/2010/main" val="0"/>
+              </a:ext>
+            </a:extLst>
+          </a:blip>
+          <a:stretch>
+            <a:fillRect/>
+          </a:stretch>
+        </p:blipFill>
+        <p:spPr>
+          <a:xfrm>
+            <a:off x="8148044" y="4385787"/>
+            <a:ext cx="3566469" cy="1176630"/>
+          </a:xfrm>
+          <a:prstGeom prst="rect">
+            <a:avLst/>
+          </a:prstGeom>
+        </p:spPr>
+      </p:pic>
     </p:spTree>
     <p:extLst>
       <p:ext uri="{BB962C8B-B14F-4D97-AF65-F5344CB8AC3E}">
-        <p14:creationId xmlns:p14="http://schemas.microsoft.com/office/powerpoint/2010/main" val="4209554113"/>
+        <p14:creationId xmlns:p14="http://schemas.microsoft.com/office/powerpoint/2010/main" val="1213715448"/>
+      </p:ext>
+    </p:extLst>
+  </p:cSld>
+  <p:clrMapOvr>
+    <a:masterClrMapping/>
+  </p:clrMapOvr>
+</p:sld>
+</file>
+
+<file path=ppt/slides/slide17.xml><?xml version="1.0" encoding="utf-8"?>
+<p:sld xmlns:a="http://schemas.openxmlformats.org/drawingml/2006/main" xmlns:r="http://schemas.openxmlformats.org/officeDocument/2006/relationships" xmlns:p="http://schemas.openxmlformats.org/presentationml/2006/main">
+  <p:cSld>
+    <p:spTree>
+      <p:nvGrpSpPr>
+        <p:cNvPr id="1" name=""/>
+        <p:cNvGrpSpPr/>
+        <p:nvPr/>
+      </p:nvGrpSpPr>
+      <p:grpSpPr>
+        <a:xfrm>
+          <a:off x="0" y="0"/>
+          <a:ext cx="0" cy="0"/>
+          <a:chOff x="0" y="0"/>
+          <a:chExt cx="0" cy="0"/>
+        </a:xfrm>
+      </p:grpSpPr>
+      <p:sp>
+        <p:nvSpPr>
+          <p:cNvPr id="2" name="Title 1"/>
+          <p:cNvSpPr>
+            <a:spLocks noGrp="1"/>
+          </p:cNvSpPr>
+          <p:nvPr>
+            <p:ph type="title"/>
+          </p:nvPr>
+        </p:nvSpPr>
+        <p:spPr/>
+        <p:txBody>
+          <a:bodyPr/>
+          <a:lstStyle/>
+          <a:p>
+            <a:r>
+              <a:rPr lang="en-US" dirty="0" smtClean="0"/>
+              <a:t>Cosine Similarity</a:t>
+            </a:r>
+            <a:endParaRPr lang="en-US" dirty="0"/>
+          </a:p>
+        </p:txBody>
+      </p:sp>
+      <p:sp>
+        <p:nvSpPr>
+          <p:cNvPr id="3" name="Content Placeholder 2"/>
+          <p:cNvSpPr>
+            <a:spLocks noGrp="1"/>
+          </p:cNvSpPr>
+          <p:nvPr>
+            <p:ph idx="1"/>
+          </p:nvPr>
+        </p:nvSpPr>
+        <p:spPr/>
+        <p:txBody>
+          <a:bodyPr/>
+          <a:lstStyle/>
+          <a:p>
+            <a:r>
+              <a:rPr lang="en-US" dirty="0" smtClean="0"/>
+              <a:t>Represents documents as feature vectors</a:t>
+            </a:r>
+          </a:p>
+          <a:p>
+            <a:endParaRPr lang="en-US" dirty="0" smtClean="0"/>
+          </a:p>
+          <a:p>
+            <a:r>
+              <a:rPr lang="en-US" dirty="0" smtClean="0"/>
+              <a:t>Compares distance between vectors</a:t>
+            </a:r>
+          </a:p>
+          <a:p>
+            <a:pPr lvl="1"/>
+            <a:r>
+              <a:rPr lang="en-US" dirty="0" smtClean="0"/>
+              <a:t>Vectors closer to each other are more similar</a:t>
+            </a:r>
+          </a:p>
+          <a:p>
+            <a:pPr lvl="1"/>
+            <a:r>
+              <a:rPr lang="en-US" dirty="0" smtClean="0"/>
+              <a:t>Relatively insensitive to vocabulary </a:t>
+            </a:r>
+          </a:p>
+          <a:p>
+            <a:pPr lvl="1"/>
+            <a:endParaRPr lang="en-US" dirty="0"/>
+          </a:p>
+          <a:p>
+            <a:r>
+              <a:rPr lang="en-US" dirty="0" smtClean="0"/>
+              <a:t>Example</a:t>
+            </a:r>
+          </a:p>
+          <a:p>
+            <a:pPr marL="0" indent="0">
+              <a:buNone/>
+            </a:pPr>
+            <a:r>
+              <a:rPr lang="en-US" sz="1800" dirty="0" smtClean="0"/>
+              <a:t>Sentence 1: That is a bad dog.</a:t>
+            </a:r>
+          </a:p>
+          <a:p>
+            <a:pPr marL="0" indent="0">
+              <a:buNone/>
+            </a:pPr>
+            <a:r>
+              <a:rPr lang="en-US" sz="1800" dirty="0" smtClean="0"/>
+              <a:t>Sentence 2:  I am quite unhappy about that dog’s behavior</a:t>
+            </a:r>
+            <a:endParaRPr lang="en-US" sz="1800" dirty="0"/>
+          </a:p>
+        </p:txBody>
+      </p:sp>
+      <p:grpSp>
+        <p:nvGrpSpPr>
+          <p:cNvPr id="51" name="Group 50"/>
+          <p:cNvGrpSpPr/>
+          <p:nvPr/>
+        </p:nvGrpSpPr>
+        <p:grpSpPr>
+          <a:xfrm>
+            <a:off x="5473522" y="2748326"/>
+            <a:ext cx="6145436" cy="3825906"/>
+            <a:chOff x="5872767" y="2761205"/>
+            <a:chExt cx="6145436" cy="3825906"/>
+          </a:xfrm>
+        </p:grpSpPr>
+        <p:cxnSp>
+          <p:nvCxnSpPr>
+            <p:cNvPr id="13" name="Straight Connector 12"/>
+            <p:cNvCxnSpPr/>
+            <p:nvPr/>
+          </p:nvCxnSpPr>
+          <p:spPr>
+            <a:xfrm flipH="1" flipV="1">
+              <a:off x="8456854" y="3130538"/>
+              <a:ext cx="31325" cy="2040213"/>
+            </a:xfrm>
+            <a:prstGeom prst="line">
+              <a:avLst/>
+            </a:prstGeom>
+            <a:ln w="53975">
+              <a:solidFill>
+                <a:schemeClr val="tx1"/>
+              </a:solidFill>
+            </a:ln>
+          </p:spPr>
+          <p:style>
+            <a:lnRef idx="1">
+              <a:schemeClr val="accent1"/>
+            </a:lnRef>
+            <a:fillRef idx="0">
+              <a:schemeClr val="accent1"/>
+            </a:fillRef>
+            <a:effectRef idx="0">
+              <a:schemeClr val="accent1"/>
+            </a:effectRef>
+            <a:fontRef idx="minor">
+              <a:schemeClr val="tx1"/>
+            </a:fontRef>
+          </p:style>
+        </p:cxnSp>
+        <p:cxnSp>
+          <p:nvCxnSpPr>
+            <p:cNvPr id="17" name="Straight Connector 16"/>
+            <p:cNvCxnSpPr/>
+            <p:nvPr/>
+          </p:nvCxnSpPr>
+          <p:spPr>
+            <a:xfrm flipH="1">
+              <a:off x="6634997" y="5181111"/>
+              <a:ext cx="1853182" cy="1036668"/>
+            </a:xfrm>
+            <a:prstGeom prst="line">
+              <a:avLst/>
+            </a:prstGeom>
+            <a:ln w="53975">
+              <a:solidFill>
+                <a:schemeClr val="tx1"/>
+              </a:solidFill>
+              <a:prstDash val="sysDot"/>
+            </a:ln>
+          </p:spPr>
+          <p:style>
+            <a:lnRef idx="1">
+              <a:schemeClr val="accent1"/>
+            </a:lnRef>
+            <a:fillRef idx="0">
+              <a:schemeClr val="accent1"/>
+            </a:fillRef>
+            <a:effectRef idx="0">
+              <a:schemeClr val="accent1"/>
+            </a:effectRef>
+            <a:fontRef idx="minor">
+              <a:schemeClr val="tx1"/>
+            </a:fontRef>
+          </p:style>
+        </p:cxnSp>
+        <p:cxnSp>
+          <p:nvCxnSpPr>
+            <p:cNvPr id="22" name="Straight Connector 21"/>
+            <p:cNvCxnSpPr/>
+            <p:nvPr/>
+          </p:nvCxnSpPr>
+          <p:spPr>
+            <a:xfrm>
+              <a:off x="8488179" y="5187314"/>
+              <a:ext cx="2776543" cy="18797"/>
+            </a:xfrm>
+            <a:prstGeom prst="line">
+              <a:avLst/>
+            </a:prstGeom>
+            <a:ln w="53975">
+              <a:solidFill>
+                <a:schemeClr val="tx1"/>
+              </a:solidFill>
+              <a:prstDash val="lgDash"/>
+            </a:ln>
+          </p:spPr>
+          <p:style>
+            <a:lnRef idx="1">
+              <a:schemeClr val="accent1"/>
+            </a:lnRef>
+            <a:fillRef idx="0">
+              <a:schemeClr val="accent1"/>
+            </a:fillRef>
+            <a:effectRef idx="0">
+              <a:schemeClr val="accent1"/>
+            </a:effectRef>
+            <a:fontRef idx="minor">
+              <a:schemeClr val="tx1"/>
+            </a:fontRef>
+          </p:style>
+        </p:cxnSp>
+        <p:sp>
+          <p:nvSpPr>
+            <p:cNvPr id="35" name="TextBox 34"/>
+            <p:cNvSpPr txBox="1"/>
+            <p:nvPr/>
+          </p:nvSpPr>
+          <p:spPr>
+            <a:xfrm>
+              <a:off x="5872767" y="6217779"/>
+              <a:ext cx="1493142" cy="369332"/>
+            </a:xfrm>
+            <a:prstGeom prst="rect">
+              <a:avLst/>
+            </a:prstGeom>
+            <a:noFill/>
+          </p:spPr>
+          <p:txBody>
+            <a:bodyPr wrap="square" rtlCol="0">
+              <a:spAutoFit/>
+            </a:bodyPr>
+            <a:lstStyle/>
+            <a:p>
+              <a:r>
+                <a:rPr lang="en-US" dirty="0"/>
+                <a:t>c</a:t>
+              </a:r>
+              <a:r>
+                <a:rPr lang="en-US" dirty="0" smtClean="0"/>
+                <a:t>omponent 1</a:t>
+              </a:r>
+              <a:endParaRPr lang="en-US" dirty="0"/>
+            </a:p>
+          </p:txBody>
+        </p:sp>
+        <p:cxnSp>
+          <p:nvCxnSpPr>
+            <p:cNvPr id="37" name="Straight Arrow Connector 36"/>
+            <p:cNvCxnSpPr/>
+            <p:nvPr/>
+          </p:nvCxnSpPr>
+          <p:spPr>
+            <a:xfrm flipV="1">
+              <a:off x="8456854" y="4781847"/>
+              <a:ext cx="911528" cy="425241"/>
+            </a:xfrm>
+            <a:prstGeom prst="straightConnector1">
+              <a:avLst/>
+            </a:prstGeom>
+            <a:ln w="57150">
+              <a:solidFill>
+                <a:schemeClr val="tx1"/>
+              </a:solidFill>
+              <a:tailEnd type="triangle"/>
+            </a:ln>
+          </p:spPr>
+          <p:style>
+            <a:lnRef idx="1">
+              <a:schemeClr val="accent1"/>
+            </a:lnRef>
+            <a:fillRef idx="0">
+              <a:schemeClr val="accent1"/>
+            </a:fillRef>
+            <a:effectRef idx="0">
+              <a:schemeClr val="accent1"/>
+            </a:effectRef>
+            <a:fontRef idx="minor">
+              <a:schemeClr val="tx1"/>
+            </a:fontRef>
+          </p:style>
+        </p:cxnSp>
+        <p:cxnSp>
+          <p:nvCxnSpPr>
+            <p:cNvPr id="38" name="Straight Arrow Connector 37"/>
+            <p:cNvCxnSpPr/>
+            <p:nvPr/>
+          </p:nvCxnSpPr>
+          <p:spPr>
+            <a:xfrm>
+              <a:off x="8468927" y="5175931"/>
+              <a:ext cx="314392" cy="786372"/>
+            </a:xfrm>
+            <a:prstGeom prst="straightConnector1">
+              <a:avLst/>
+            </a:prstGeom>
+            <a:ln w="57150">
+              <a:solidFill>
+                <a:schemeClr val="tx1"/>
+              </a:solidFill>
+              <a:tailEnd type="triangle"/>
+            </a:ln>
+          </p:spPr>
+          <p:style>
+            <a:lnRef idx="1">
+              <a:schemeClr val="accent1"/>
+            </a:lnRef>
+            <a:fillRef idx="0">
+              <a:schemeClr val="accent1"/>
+            </a:fillRef>
+            <a:effectRef idx="0">
+              <a:schemeClr val="accent1"/>
+            </a:effectRef>
+            <a:fontRef idx="minor">
+              <a:schemeClr val="tx1"/>
+            </a:fontRef>
+          </p:style>
+        </p:cxnSp>
+        <p:sp>
+          <p:nvSpPr>
+            <p:cNvPr id="41" name="Curved Up Arrow 40"/>
+            <p:cNvSpPr/>
+            <p:nvPr/>
+          </p:nvSpPr>
+          <p:spPr>
+            <a:xfrm rot="18413686">
+              <a:off x="8626196" y="5160770"/>
+              <a:ext cx="786310" cy="327042"/>
+            </a:xfrm>
+            <a:prstGeom prst="curvedUpArrow">
+              <a:avLst>
+                <a:gd name="adj1" fmla="val 25000"/>
+                <a:gd name="adj2" fmla="val 38606"/>
+                <a:gd name="adj3" fmla="val 59323"/>
+              </a:avLst>
+            </a:prstGeom>
+          </p:spPr>
+          <p:style>
+            <a:lnRef idx="2">
+              <a:schemeClr val="accent1">
+                <a:shade val="50000"/>
+              </a:schemeClr>
+            </a:lnRef>
+            <a:fillRef idx="1">
+              <a:schemeClr val="accent1"/>
+            </a:fillRef>
+            <a:effectRef idx="0">
+              <a:schemeClr val="accent1"/>
+            </a:effectRef>
+            <a:fontRef idx="minor">
+              <a:schemeClr val="lt1"/>
+            </a:fontRef>
+          </p:style>
+          <p:txBody>
+            <a:bodyPr rtlCol="0" anchor="ctr"/>
+            <a:lstStyle/>
+            <a:p>
+              <a:pPr algn="ctr"/>
+              <a:endParaRPr lang="en-US">
+                <a:solidFill>
+                  <a:schemeClr val="tx1"/>
+                </a:solidFill>
+              </a:endParaRPr>
+            </a:p>
+          </p:txBody>
+        </p:sp>
+        <p:sp>
+          <p:nvSpPr>
+            <p:cNvPr id="43" name="TextBox 42"/>
+            <p:cNvSpPr txBox="1"/>
+            <p:nvPr/>
+          </p:nvSpPr>
+          <p:spPr>
+            <a:xfrm>
+              <a:off x="7561588" y="5904973"/>
+              <a:ext cx="1391213" cy="646331"/>
+            </a:xfrm>
+            <a:prstGeom prst="rect">
+              <a:avLst/>
+            </a:prstGeom>
+            <a:noFill/>
+          </p:spPr>
+          <p:txBody>
+            <a:bodyPr wrap="square" rtlCol="0">
+              <a:spAutoFit/>
+            </a:bodyPr>
+            <a:lstStyle/>
+            <a:p>
+              <a:r>
+                <a:rPr lang="en-US" dirty="0" smtClean="0"/>
+                <a:t>Sentence 1</a:t>
+              </a:r>
+            </a:p>
+            <a:p>
+              <a:pPr algn="ctr"/>
+              <a:r>
+                <a:rPr lang="en-US" dirty="0" smtClean="0"/>
+                <a:t>vector</a:t>
+              </a:r>
+              <a:endParaRPr lang="en-US" dirty="0"/>
+            </a:p>
+          </p:txBody>
+        </p:sp>
+        <p:sp>
+          <p:nvSpPr>
+            <p:cNvPr id="44" name="TextBox 43"/>
+            <p:cNvSpPr txBox="1"/>
+            <p:nvPr/>
+          </p:nvSpPr>
+          <p:spPr>
+            <a:xfrm>
+              <a:off x="9180843" y="4383935"/>
+              <a:ext cx="1391213" cy="646331"/>
+            </a:xfrm>
+            <a:prstGeom prst="rect">
+              <a:avLst/>
+            </a:prstGeom>
+            <a:noFill/>
+          </p:spPr>
+          <p:txBody>
+            <a:bodyPr wrap="square" rtlCol="0">
+              <a:spAutoFit/>
+            </a:bodyPr>
+            <a:lstStyle/>
+            <a:p>
+              <a:r>
+                <a:rPr lang="en-US" dirty="0" smtClean="0"/>
+                <a:t>Sentence 2</a:t>
+              </a:r>
+            </a:p>
+            <a:p>
+              <a:pPr algn="ctr"/>
+              <a:r>
+                <a:rPr lang="en-US" dirty="0" smtClean="0"/>
+                <a:t>vector</a:t>
+              </a:r>
+              <a:endParaRPr lang="en-US" dirty="0"/>
+            </a:p>
+          </p:txBody>
+        </p:sp>
+        <p:sp>
+          <p:nvSpPr>
+            <p:cNvPr id="45" name="TextBox 44"/>
+            <p:cNvSpPr txBox="1"/>
+            <p:nvPr/>
+          </p:nvSpPr>
+          <p:spPr>
+            <a:xfrm>
+              <a:off x="9033274" y="5299908"/>
+              <a:ext cx="1391213" cy="369332"/>
+            </a:xfrm>
+            <a:prstGeom prst="rect">
+              <a:avLst/>
+            </a:prstGeom>
+            <a:noFill/>
+          </p:spPr>
+          <p:txBody>
+            <a:bodyPr wrap="square" rtlCol="0">
+              <a:spAutoFit/>
+            </a:bodyPr>
+            <a:lstStyle/>
+            <a:p>
+              <a:r>
+                <a:rPr lang="en-US" dirty="0" smtClean="0"/>
+                <a:t>Cosine </a:t>
+              </a:r>
+              <a:r>
+                <a:rPr lang="el-GR" dirty="0" smtClean="0"/>
+                <a:t>θ</a:t>
+              </a:r>
+              <a:endParaRPr lang="en-US" dirty="0"/>
+            </a:p>
+          </p:txBody>
+        </p:sp>
+        <p:sp>
+          <p:nvSpPr>
+            <p:cNvPr id="46" name="TextBox 45"/>
+            <p:cNvSpPr txBox="1"/>
+            <p:nvPr/>
+          </p:nvSpPr>
+          <p:spPr>
+            <a:xfrm>
+              <a:off x="7741608" y="2761205"/>
+              <a:ext cx="1493142" cy="369332"/>
+            </a:xfrm>
+            <a:prstGeom prst="rect">
+              <a:avLst/>
+            </a:prstGeom>
+            <a:noFill/>
+          </p:spPr>
+          <p:txBody>
+            <a:bodyPr wrap="square" rtlCol="0">
+              <a:spAutoFit/>
+            </a:bodyPr>
+            <a:lstStyle/>
+            <a:p>
+              <a:r>
+                <a:rPr lang="en-US" dirty="0"/>
+                <a:t>c</a:t>
+              </a:r>
+              <a:r>
+                <a:rPr lang="en-US" dirty="0" smtClean="0"/>
+                <a:t>omponent 2</a:t>
+              </a:r>
+              <a:endParaRPr lang="en-US" dirty="0"/>
+            </a:p>
+          </p:txBody>
+        </p:sp>
+        <p:sp>
+          <p:nvSpPr>
+            <p:cNvPr id="47" name="TextBox 46"/>
+            <p:cNvSpPr txBox="1"/>
+            <p:nvPr/>
+          </p:nvSpPr>
+          <p:spPr>
+            <a:xfrm>
+              <a:off x="10525061" y="5292528"/>
+              <a:ext cx="1493142" cy="369332"/>
+            </a:xfrm>
+            <a:prstGeom prst="rect">
+              <a:avLst/>
+            </a:prstGeom>
+            <a:noFill/>
+          </p:spPr>
+          <p:txBody>
+            <a:bodyPr wrap="square" rtlCol="0">
+              <a:spAutoFit/>
+            </a:bodyPr>
+            <a:lstStyle/>
+            <a:p>
+              <a:r>
+                <a:rPr lang="en-US" dirty="0"/>
+                <a:t>c</a:t>
+              </a:r>
+              <a:r>
+                <a:rPr lang="en-US" dirty="0" smtClean="0"/>
+                <a:t>omponent 3</a:t>
+              </a:r>
+              <a:endParaRPr lang="en-US" dirty="0"/>
+            </a:p>
+          </p:txBody>
+        </p:sp>
+      </p:grpSp>
+    </p:spTree>
+    <p:extLst>
+      <p:ext uri="{BB962C8B-B14F-4D97-AF65-F5344CB8AC3E}">
+        <p14:creationId xmlns:p14="http://schemas.microsoft.com/office/powerpoint/2010/main" val="3254940139"/>
+      </p:ext>
+    </p:extLst>
+  </p:cSld>
+  <p:clrMapOvr>
+    <a:masterClrMapping/>
+  </p:clrMapOvr>
+</p:sld>
+</file>
+
+<file path=ppt/slides/slide18.xml><?xml version="1.0" encoding="utf-8"?>
+<p:sld xmlns:a="http://schemas.openxmlformats.org/drawingml/2006/main" xmlns:r="http://schemas.openxmlformats.org/officeDocument/2006/relationships" xmlns:p="http://schemas.openxmlformats.org/presentationml/2006/main">
+  <p:cSld>
+    <p:spTree>
+      <p:nvGrpSpPr>
+        <p:cNvPr id="1" name=""/>
+        <p:cNvGrpSpPr/>
+        <p:nvPr/>
+      </p:nvGrpSpPr>
+      <p:grpSpPr>
+        <a:xfrm>
+          <a:off x="0" y="0"/>
+          <a:ext cx="0" cy="0"/>
+          <a:chOff x="0" y="0"/>
+          <a:chExt cx="0" cy="0"/>
+        </a:xfrm>
+      </p:grpSpPr>
+      <p:sp>
+        <p:nvSpPr>
+          <p:cNvPr id="2" name="Title 1"/>
+          <p:cNvSpPr>
+            <a:spLocks noGrp="1"/>
+          </p:cNvSpPr>
+          <p:nvPr>
+            <p:ph type="title"/>
+          </p:nvPr>
+        </p:nvSpPr>
+        <p:spPr/>
+        <p:txBody>
+          <a:bodyPr/>
+          <a:lstStyle/>
+          <a:p>
+            <a:r>
+              <a:rPr lang="en-US" dirty="0" smtClean="0"/>
+              <a:t>Results</a:t>
+            </a:r>
+            <a:endParaRPr lang="en-US" dirty="0"/>
+          </a:p>
+        </p:txBody>
+      </p:sp>
+      <p:sp>
+        <p:nvSpPr>
+          <p:cNvPr id="3" name="Content Placeholder 2"/>
+          <p:cNvSpPr>
+            <a:spLocks noGrp="1"/>
+          </p:cNvSpPr>
+          <p:nvPr>
+            <p:ph idx="1"/>
+          </p:nvPr>
+        </p:nvSpPr>
+        <p:spPr/>
+        <p:txBody>
+          <a:bodyPr/>
+          <a:lstStyle/>
+          <a:p>
+            <a:r>
+              <a:rPr lang="en-US" dirty="0" smtClean="0"/>
+              <a:t> Seven groups of similar documents were identified</a:t>
+            </a:r>
+          </a:p>
+          <a:p>
+            <a:pPr lvl="1"/>
+            <a:endParaRPr lang="en-US" dirty="0" smtClean="0"/>
+          </a:p>
+          <a:p>
+            <a:r>
+              <a:rPr lang="en-US" dirty="0" smtClean="0"/>
+              <a:t>Each group had</a:t>
+            </a:r>
+          </a:p>
+          <a:p>
+            <a:pPr lvl="1"/>
+            <a:r>
+              <a:rPr lang="en-US" dirty="0" smtClean="0"/>
+              <a:t>Summed similarity score of 4.6 or higher</a:t>
+            </a:r>
+          </a:p>
+          <a:p>
+            <a:pPr lvl="1"/>
+            <a:r>
+              <a:rPr lang="en-US" dirty="0" smtClean="0"/>
+              <a:t>5 or more documents</a:t>
+            </a:r>
+          </a:p>
+          <a:p>
+            <a:pPr lvl="1"/>
+            <a:r>
+              <a:rPr lang="en-US" dirty="0" smtClean="0"/>
+              <a:t>A mixture of federal documents and tweets</a:t>
+            </a:r>
+            <a:endParaRPr lang="en-US" dirty="0"/>
+          </a:p>
+        </p:txBody>
+      </p:sp>
+    </p:spTree>
+    <p:extLst>
+      <p:ext uri="{BB962C8B-B14F-4D97-AF65-F5344CB8AC3E}">
+        <p14:creationId xmlns:p14="http://schemas.microsoft.com/office/powerpoint/2010/main" val="3234620026"/>
+      </p:ext>
+    </p:extLst>
+  </p:cSld>
+  <p:clrMapOvr>
+    <a:masterClrMapping/>
+  </p:clrMapOvr>
+</p:sld>
+</file>
+
+<file path=ppt/slides/slide19.xml><?xml version="1.0" encoding="utf-8"?>
+<p:sld xmlns:a="http://schemas.openxmlformats.org/drawingml/2006/main" xmlns:r="http://schemas.openxmlformats.org/officeDocument/2006/relationships" xmlns:p="http://schemas.openxmlformats.org/presentationml/2006/main">
+  <p:cSld>
+    <p:spTree>
+      <p:nvGrpSpPr>
+        <p:cNvPr id="1" name=""/>
+        <p:cNvGrpSpPr/>
+        <p:nvPr/>
+      </p:nvGrpSpPr>
+      <p:grpSpPr>
+        <a:xfrm>
+          <a:off x="0" y="0"/>
+          <a:ext cx="0" cy="0"/>
+          <a:chOff x="0" y="0"/>
+          <a:chExt cx="0" cy="0"/>
+        </a:xfrm>
+      </p:grpSpPr>
+      <p:sp>
+        <p:nvSpPr>
+          <p:cNvPr id="2" name="Title 1"/>
+          <p:cNvSpPr>
+            <a:spLocks noGrp="1"/>
+          </p:cNvSpPr>
+          <p:nvPr>
+            <p:ph type="title"/>
+          </p:nvPr>
+        </p:nvSpPr>
+        <p:spPr>
+          <a:xfrm>
+            <a:off x="838200" y="-154547"/>
+            <a:ext cx="10515600" cy="940158"/>
+          </a:xfrm>
+        </p:spPr>
+        <p:txBody>
+          <a:bodyPr>
+            <a:normAutofit/>
+          </a:bodyPr>
+          <a:lstStyle/>
+          <a:p>
+            <a:pPr algn="ctr"/>
+            <a:r>
+              <a:rPr lang="en-US" sz="3600" dirty="0" smtClean="0"/>
+              <a:t>Example group of </a:t>
+            </a:r>
+            <a:r>
+              <a:rPr lang="en-US" sz="3600" dirty="0" smtClean="0"/>
+              <a:t>Similar </a:t>
+            </a:r>
+            <a:r>
+              <a:rPr lang="en-US" sz="3600" dirty="0" smtClean="0"/>
+              <a:t>Documents</a:t>
+            </a:r>
+            <a:endParaRPr lang="en-US" sz="3600" dirty="0"/>
+          </a:p>
+        </p:txBody>
+      </p:sp>
+      <p:sp>
+        <p:nvSpPr>
+          <p:cNvPr id="3" name="Content Placeholder 2"/>
+          <p:cNvSpPr>
+            <a:spLocks noGrp="1"/>
+          </p:cNvSpPr>
+          <p:nvPr>
+            <p:ph idx="1"/>
+          </p:nvPr>
+        </p:nvSpPr>
+        <p:spPr>
+          <a:xfrm>
+            <a:off x="103030" y="785610"/>
+            <a:ext cx="12088970" cy="5885646"/>
+          </a:xfrm>
+        </p:spPr>
+        <p:txBody>
+          <a:bodyPr>
+            <a:noAutofit/>
+          </a:bodyPr>
+          <a:lstStyle/>
+          <a:p>
+            <a:pPr marL="0" lvl="0" indent="0" eaLnBrk="0" fontAlgn="base" hangingPunct="0">
+              <a:lnSpc>
+                <a:spcPct val="100000"/>
+              </a:lnSpc>
+              <a:spcBef>
+                <a:spcPct val="0"/>
+              </a:spcBef>
+              <a:spcAft>
+                <a:spcPct val="0"/>
+              </a:spcAft>
+              <a:buNone/>
+            </a:pPr>
+            <a:r>
+              <a:rPr lang="en-US" altLang="en-US" sz="1700" b="1" dirty="0" smtClean="0">
+                <a:solidFill>
+                  <a:srgbClr val="000000"/>
+                </a:solidFill>
+                <a:latin typeface="+mj-lt"/>
+              </a:rPr>
+              <a:t>tweet doc 1</a:t>
+            </a:r>
+            <a:r>
+              <a:rPr lang="en-US" altLang="en-US" sz="1700" dirty="0" smtClean="0">
+                <a:solidFill>
+                  <a:srgbClr val="000000"/>
+                </a:solidFill>
+                <a:latin typeface="+mj-lt"/>
+              </a:rPr>
+              <a:t>: Iran </a:t>
+            </a:r>
+            <a:r>
+              <a:rPr lang="en-US" altLang="en-US" sz="1700" dirty="0">
+                <a:solidFill>
+                  <a:srgbClr val="000000"/>
+                </a:solidFill>
+                <a:latin typeface="+mj-lt"/>
+              </a:rPr>
+              <a:t>just test-fired a Ballistic Missile capable of reaching </a:t>
+            </a:r>
+            <a:r>
+              <a:rPr lang="en-US" altLang="en-US" sz="1700" dirty="0" err="1">
+                <a:solidFill>
+                  <a:srgbClr val="000000"/>
+                </a:solidFill>
+                <a:latin typeface="+mj-lt"/>
+              </a:rPr>
+              <a:t>Israel.They</a:t>
+            </a:r>
+            <a:r>
+              <a:rPr lang="en-US" altLang="en-US" sz="1700" dirty="0">
+                <a:solidFill>
+                  <a:srgbClr val="000000"/>
+                </a:solidFill>
+                <a:latin typeface="+mj-lt"/>
+              </a:rPr>
+              <a:t> are also working with North </a:t>
+            </a:r>
+            <a:r>
+              <a:rPr lang="en-US" altLang="en-US" sz="1700" dirty="0" err="1" smtClean="0">
+                <a:solidFill>
+                  <a:srgbClr val="000000"/>
+                </a:solidFill>
+                <a:latin typeface="+mj-lt"/>
+              </a:rPr>
+              <a:t>Korea.Not</a:t>
+            </a:r>
+            <a:r>
+              <a:rPr lang="en-US" altLang="en-US" sz="1700" dirty="0" smtClean="0">
+                <a:solidFill>
+                  <a:srgbClr val="000000"/>
+                </a:solidFill>
+                <a:latin typeface="+mj-lt"/>
+              </a:rPr>
+              <a:t> </a:t>
+            </a:r>
+            <a:r>
+              <a:rPr lang="en-US" altLang="en-US" sz="1700" dirty="0">
+                <a:solidFill>
+                  <a:srgbClr val="000000"/>
+                </a:solidFill>
+                <a:latin typeface="+mj-lt"/>
+              </a:rPr>
+              <a:t>much of an agreement we have!</a:t>
+            </a:r>
+            <a:r>
+              <a:rPr lang="en-US" altLang="en-US" sz="1700" dirty="0">
+                <a:latin typeface="+mj-lt"/>
+              </a:rPr>
+              <a:t> </a:t>
+            </a:r>
+            <a:endParaRPr lang="en-US" altLang="en-US" sz="1700" dirty="0" smtClean="0">
+              <a:latin typeface="+mj-lt"/>
+            </a:endParaRPr>
+          </a:p>
+          <a:p>
+            <a:pPr marL="0" lvl="0" indent="0" eaLnBrk="0" fontAlgn="base" hangingPunct="0">
+              <a:lnSpc>
+                <a:spcPct val="100000"/>
+              </a:lnSpc>
+              <a:spcBef>
+                <a:spcPct val="0"/>
+              </a:spcBef>
+              <a:spcAft>
+                <a:spcPct val="0"/>
+              </a:spcAft>
+              <a:buNone/>
+            </a:pPr>
+            <a:r>
+              <a:rPr lang="en-US" altLang="en-US" sz="1700" b="1" dirty="0" smtClean="0">
+                <a:solidFill>
+                  <a:srgbClr val="000000"/>
+                </a:solidFill>
+                <a:latin typeface="+mj-lt"/>
+              </a:rPr>
+              <a:t>tweet </a:t>
+            </a:r>
+            <a:r>
+              <a:rPr lang="en-US" altLang="en-US" sz="1700" b="1" dirty="0">
+                <a:solidFill>
+                  <a:srgbClr val="000000"/>
+                </a:solidFill>
+                <a:latin typeface="+mj-lt"/>
+              </a:rPr>
+              <a:t>doc </a:t>
+            </a:r>
+            <a:r>
+              <a:rPr lang="en-US" altLang="en-US" sz="1700" b="1" dirty="0">
+                <a:solidFill>
+                  <a:srgbClr val="000000"/>
+                </a:solidFill>
+                <a:latin typeface="+mj-lt"/>
+              </a:rPr>
+              <a:t>2</a:t>
+            </a:r>
+            <a:r>
+              <a:rPr lang="en-US" altLang="en-US" sz="1700" dirty="0" smtClean="0">
+                <a:solidFill>
+                  <a:srgbClr val="000000"/>
+                </a:solidFill>
+                <a:latin typeface="+mj-lt"/>
+              </a:rPr>
+              <a:t>: Iran </a:t>
+            </a:r>
+            <a:r>
+              <a:rPr lang="en-US" altLang="en-US" sz="1700" dirty="0">
+                <a:solidFill>
+                  <a:srgbClr val="000000"/>
+                </a:solidFill>
+                <a:latin typeface="+mj-lt"/>
+              </a:rPr>
+              <a:t>was on its last legs and ready to collapse until the U.S. came along and gave it a life-line in the form of the Iran Deal: $150 </a:t>
+            </a:r>
+            <a:r>
+              <a:rPr lang="en-US" altLang="en-US" sz="1700" dirty="0" smtClean="0">
+                <a:solidFill>
+                  <a:srgbClr val="000000"/>
+                </a:solidFill>
+                <a:latin typeface="+mj-lt"/>
+              </a:rPr>
+              <a:t>billion</a:t>
+            </a:r>
+          </a:p>
+          <a:p>
+            <a:pPr marL="0" lvl="0" indent="0" eaLnBrk="0" fontAlgn="base" hangingPunct="0">
+              <a:lnSpc>
+                <a:spcPct val="100000"/>
+              </a:lnSpc>
+              <a:spcBef>
+                <a:spcPct val="0"/>
+              </a:spcBef>
+              <a:spcAft>
+                <a:spcPct val="0"/>
+              </a:spcAft>
+              <a:buNone/>
+            </a:pPr>
+            <a:r>
+              <a:rPr lang="en-US" altLang="en-US" sz="1700" b="1" dirty="0" smtClean="0">
+                <a:solidFill>
+                  <a:srgbClr val="000000"/>
+                </a:solidFill>
+                <a:latin typeface="+mj-lt"/>
+              </a:rPr>
+              <a:t>tweet </a:t>
+            </a:r>
+            <a:r>
+              <a:rPr lang="en-US" altLang="en-US" sz="1700" b="1" dirty="0">
+                <a:solidFill>
+                  <a:srgbClr val="000000"/>
+                </a:solidFill>
+                <a:latin typeface="+mj-lt"/>
+              </a:rPr>
+              <a:t>doc 3</a:t>
+            </a:r>
+            <a:r>
+              <a:rPr lang="en-US" altLang="en-US" sz="1700" dirty="0" smtClean="0">
+                <a:solidFill>
+                  <a:srgbClr val="000000"/>
+                </a:solidFill>
+                <a:latin typeface="+mj-lt"/>
+              </a:rPr>
+              <a:t>: Iran </a:t>
+            </a:r>
+            <a:r>
+              <a:rPr lang="en-US" altLang="en-US" sz="1700" dirty="0">
+                <a:solidFill>
+                  <a:srgbClr val="000000"/>
+                </a:solidFill>
+                <a:latin typeface="+mj-lt"/>
+              </a:rPr>
+              <a:t>is rapidly taking over more and more of Iraq even after the U.S. has squandered three trillion dollars there. Obvious long ago! </a:t>
+            </a:r>
+            <a:endParaRPr lang="en-US" altLang="en-US" sz="1700" dirty="0" smtClean="0">
+              <a:solidFill>
+                <a:srgbClr val="000000"/>
+              </a:solidFill>
+              <a:latin typeface="+mj-lt"/>
+            </a:endParaRPr>
+          </a:p>
+          <a:p>
+            <a:pPr marL="0" lvl="0" indent="0" eaLnBrk="0" fontAlgn="base" hangingPunct="0">
+              <a:lnSpc>
+                <a:spcPct val="100000"/>
+              </a:lnSpc>
+              <a:spcBef>
+                <a:spcPct val="0"/>
+              </a:spcBef>
+              <a:spcAft>
+                <a:spcPct val="0"/>
+              </a:spcAft>
+              <a:buNone/>
+            </a:pPr>
+            <a:endParaRPr lang="en-US" altLang="en-US" sz="1700" dirty="0">
+              <a:solidFill>
+                <a:srgbClr val="000000"/>
+              </a:solidFill>
+              <a:latin typeface="+mj-lt"/>
+            </a:endParaRPr>
+          </a:p>
+          <a:p>
+            <a:pPr marL="0" lvl="0" indent="0" eaLnBrk="0" fontAlgn="base" hangingPunct="0">
+              <a:lnSpc>
+                <a:spcPct val="100000"/>
+              </a:lnSpc>
+              <a:spcBef>
+                <a:spcPct val="0"/>
+              </a:spcBef>
+              <a:spcAft>
+                <a:spcPct val="0"/>
+              </a:spcAft>
+              <a:buNone/>
+            </a:pPr>
+            <a:r>
+              <a:rPr lang="en-US" altLang="en-US" sz="1700" b="1" dirty="0">
+                <a:solidFill>
+                  <a:srgbClr val="000000"/>
+                </a:solidFill>
+                <a:latin typeface="+mj-lt"/>
+              </a:rPr>
+              <a:t>Federal Doc: </a:t>
+            </a:r>
+            <a:r>
+              <a:rPr lang="en-US" altLang="en-US" sz="1700" dirty="0">
+                <a:solidFill>
+                  <a:srgbClr val="000000"/>
+                </a:solidFill>
+                <a:latin typeface="+mj-lt"/>
+              </a:rPr>
+              <a:t>The  </a:t>
+            </a:r>
+            <a:r>
+              <a:rPr lang="en-US" altLang="en-US" sz="1700" dirty="0" smtClean="0">
+                <a:solidFill>
+                  <a:srgbClr val="000000"/>
+                </a:solidFill>
+                <a:latin typeface="+mj-lt"/>
+              </a:rPr>
+              <a:t>President/ Presidential Documents/ 28391 / Presidential  </a:t>
+            </a:r>
+            <a:r>
+              <a:rPr lang="en-US" altLang="en-US" sz="1700" dirty="0">
+                <a:solidFill>
+                  <a:srgbClr val="000000"/>
+                </a:solidFill>
+                <a:latin typeface="+mj-lt"/>
+              </a:rPr>
+              <a:t>Determination  No.  2017–06  of  May  17,  2017 </a:t>
+            </a:r>
+          </a:p>
+          <a:p>
+            <a:pPr marL="0" lvl="0" indent="0" eaLnBrk="0" fontAlgn="base" hangingPunct="0">
+              <a:lnSpc>
+                <a:spcPct val="100000"/>
+              </a:lnSpc>
+              <a:spcBef>
+                <a:spcPct val="0"/>
+              </a:spcBef>
+              <a:spcAft>
+                <a:spcPct val="0"/>
+              </a:spcAft>
+              <a:buNone/>
+            </a:pPr>
+            <a:r>
+              <a:rPr lang="en-US" altLang="en-US" sz="1700" dirty="0" smtClean="0">
+                <a:solidFill>
+                  <a:srgbClr val="000000"/>
+                </a:solidFill>
+                <a:latin typeface="+mj-lt"/>
+              </a:rPr>
+              <a:t>Presidential  </a:t>
+            </a:r>
+            <a:r>
+              <a:rPr lang="en-US" altLang="en-US" sz="1700" dirty="0">
+                <a:solidFill>
+                  <a:srgbClr val="000000"/>
+                </a:solidFill>
+                <a:latin typeface="+mj-lt"/>
+              </a:rPr>
+              <a:t>Determination  Pursuant  to  Section  1245(d)(4)(B) </a:t>
+            </a:r>
+          </a:p>
+          <a:p>
+            <a:pPr marL="0" lvl="0" indent="0" eaLnBrk="0" fontAlgn="base" hangingPunct="0">
+              <a:lnSpc>
+                <a:spcPct val="100000"/>
+              </a:lnSpc>
+              <a:spcBef>
+                <a:spcPct val="0"/>
+              </a:spcBef>
+              <a:spcAft>
+                <a:spcPct val="0"/>
+              </a:spcAft>
+              <a:buNone/>
+            </a:pPr>
+            <a:r>
+              <a:rPr lang="en-US" altLang="en-US" sz="1700" dirty="0">
+                <a:solidFill>
+                  <a:srgbClr val="000000"/>
+                </a:solidFill>
+                <a:latin typeface="+mj-lt"/>
+              </a:rPr>
+              <a:t>and  (C)  of  the  National  Defense  Authorization  Act  for  Fiscal </a:t>
+            </a:r>
+          </a:p>
+          <a:p>
+            <a:pPr marL="0" lvl="0" indent="0" eaLnBrk="0" fontAlgn="base" hangingPunct="0">
+              <a:lnSpc>
+                <a:spcPct val="100000"/>
+              </a:lnSpc>
+              <a:spcBef>
+                <a:spcPct val="0"/>
+              </a:spcBef>
+              <a:spcAft>
+                <a:spcPct val="0"/>
+              </a:spcAft>
+              <a:buNone/>
+            </a:pPr>
+            <a:r>
+              <a:rPr lang="en-US" altLang="en-US" sz="1700" dirty="0">
+                <a:solidFill>
+                  <a:srgbClr val="000000"/>
+                </a:solidFill>
+                <a:latin typeface="+mj-lt"/>
+              </a:rPr>
+              <a:t>Year  2012 </a:t>
+            </a:r>
+          </a:p>
+          <a:p>
+            <a:pPr marL="0" lvl="0" indent="0" eaLnBrk="0" fontAlgn="base" hangingPunct="0">
+              <a:lnSpc>
+                <a:spcPct val="100000"/>
+              </a:lnSpc>
+              <a:spcBef>
+                <a:spcPct val="0"/>
+              </a:spcBef>
+              <a:spcAft>
+                <a:spcPct val="0"/>
+              </a:spcAft>
+              <a:buNone/>
+            </a:pPr>
+            <a:r>
+              <a:rPr lang="en-US" altLang="en-US" sz="1700" dirty="0" smtClean="0">
+                <a:solidFill>
+                  <a:srgbClr val="000000"/>
+                </a:solidFill>
+                <a:latin typeface="+mj-lt"/>
+              </a:rPr>
+              <a:t>Memorandum  </a:t>
+            </a:r>
+            <a:r>
+              <a:rPr lang="en-US" altLang="en-US" sz="1700" dirty="0">
+                <a:solidFill>
+                  <a:srgbClr val="000000"/>
+                </a:solidFill>
+                <a:latin typeface="+mj-lt"/>
+              </a:rPr>
+              <a:t>for  the  Secretary  of  State[,]  the  Secretary  of  the  Treasury</a:t>
+            </a:r>
+            <a:r>
+              <a:rPr lang="en-US" altLang="en-US" sz="1700" dirty="0" smtClean="0">
+                <a:solidFill>
+                  <a:srgbClr val="000000"/>
+                </a:solidFill>
+                <a:latin typeface="+mj-lt"/>
+              </a:rPr>
+              <a:t>[,and</a:t>
+            </a:r>
+            <a:r>
+              <a:rPr lang="en-US" altLang="en-US" sz="1700" dirty="0">
+                <a:solidFill>
+                  <a:srgbClr val="000000"/>
+                </a:solidFill>
+                <a:latin typeface="+mj-lt"/>
+              </a:rPr>
+              <a:t>]  the  Secretary  of  Energy </a:t>
+            </a:r>
+            <a:r>
+              <a:rPr lang="en-US" altLang="en-US" sz="1700" dirty="0" smtClean="0">
+                <a:solidFill>
+                  <a:srgbClr val="000000"/>
+                </a:solidFill>
+                <a:latin typeface="+mj-lt"/>
+              </a:rPr>
+              <a:t>By  </a:t>
+            </a:r>
+            <a:r>
+              <a:rPr lang="en-US" altLang="en-US" sz="1700" dirty="0">
+                <a:solidFill>
+                  <a:srgbClr val="000000"/>
+                </a:solidFill>
+                <a:latin typeface="+mj-lt"/>
+              </a:rPr>
+              <a:t>the  authority  vested  in  me  as  President  by  the  Constitution  and  the </a:t>
+            </a:r>
+            <a:r>
+              <a:rPr lang="en-US" altLang="en-US" sz="1700" dirty="0" smtClean="0">
+                <a:solidFill>
+                  <a:srgbClr val="000000"/>
+                </a:solidFill>
+                <a:latin typeface="+mj-lt"/>
+              </a:rPr>
+              <a:t>laws  </a:t>
+            </a:r>
+            <a:r>
+              <a:rPr lang="en-US" altLang="en-US" sz="1700" dirty="0">
+                <a:solidFill>
+                  <a:srgbClr val="000000"/>
+                </a:solidFill>
+                <a:latin typeface="+mj-lt"/>
+              </a:rPr>
+              <a:t>of  the  United  States,  after  carefully  considering  the  reports  submitted </a:t>
+            </a:r>
+            <a:r>
+              <a:rPr lang="en-US" altLang="en-US" sz="1700" dirty="0" smtClean="0">
+                <a:solidFill>
+                  <a:srgbClr val="000000"/>
+                </a:solidFill>
+                <a:latin typeface="+mj-lt"/>
+              </a:rPr>
+              <a:t>to  </a:t>
+            </a:r>
+            <a:r>
+              <a:rPr lang="en-US" altLang="en-US" sz="1700" dirty="0">
+                <a:solidFill>
+                  <a:srgbClr val="000000"/>
+                </a:solidFill>
+                <a:latin typeface="+mj-lt"/>
+              </a:rPr>
+              <a:t>the  Congress  by  the  Energy  Information  Administration,  including  the </a:t>
+            </a:r>
+            <a:r>
+              <a:rPr lang="en-US" altLang="en-US" sz="1700" dirty="0" smtClean="0">
+                <a:solidFill>
+                  <a:srgbClr val="000000"/>
+                </a:solidFill>
+                <a:latin typeface="+mj-lt"/>
+              </a:rPr>
+              <a:t>report  </a:t>
+            </a:r>
+            <a:r>
+              <a:rPr lang="en-US" altLang="en-US" sz="1700" dirty="0">
+                <a:solidFill>
+                  <a:srgbClr val="000000"/>
+                </a:solidFill>
+                <a:latin typeface="+mj-lt"/>
+              </a:rPr>
+              <a:t>submitted  April  11,  2017,  and  other  relevant  factors  such  as  global </a:t>
+            </a:r>
+            <a:r>
+              <a:rPr lang="en-US" altLang="en-US" sz="1700" dirty="0" smtClean="0">
+                <a:solidFill>
+                  <a:srgbClr val="000000"/>
+                </a:solidFill>
+                <a:latin typeface="+mj-lt"/>
+              </a:rPr>
+              <a:t>economic </a:t>
+            </a:r>
+            <a:r>
+              <a:rPr lang="en-US" altLang="en-US" sz="1700" dirty="0">
+                <a:solidFill>
+                  <a:srgbClr val="000000"/>
+                </a:solidFill>
+                <a:latin typeface="+mj-lt"/>
+              </a:rPr>
+              <a:t>conditions, increased oil production by certain countries, the level </a:t>
+            </a:r>
+            <a:r>
+              <a:rPr lang="en-US" altLang="en-US" sz="1700" dirty="0" smtClean="0">
+                <a:solidFill>
+                  <a:srgbClr val="000000"/>
+                </a:solidFill>
+                <a:latin typeface="+mj-lt"/>
+              </a:rPr>
+              <a:t>of  </a:t>
+            </a:r>
+            <a:r>
+              <a:rPr lang="en-US" altLang="en-US" sz="1700" dirty="0">
+                <a:solidFill>
+                  <a:srgbClr val="000000"/>
+                </a:solidFill>
+                <a:latin typeface="+mj-lt"/>
+              </a:rPr>
+              <a:t>spare  petroleum  production  capacity,  and  the  availability  of  strategic </a:t>
+            </a:r>
+            <a:r>
+              <a:rPr lang="en-US" altLang="en-US" sz="1700" dirty="0" smtClean="0">
+                <a:solidFill>
+                  <a:srgbClr val="000000"/>
+                </a:solidFill>
+                <a:latin typeface="+mj-lt"/>
+              </a:rPr>
+              <a:t>reserves</a:t>
+            </a:r>
+            <a:r>
+              <a:rPr lang="en-US" altLang="en-US" sz="1700" dirty="0">
+                <a:solidFill>
+                  <a:srgbClr val="000000"/>
+                </a:solidFill>
+                <a:latin typeface="+mj-lt"/>
+              </a:rPr>
+              <a:t>, I determine, pursuant to section 1245(d)(4)(B) and (C) of the National </a:t>
+            </a:r>
+            <a:r>
+              <a:rPr lang="en-US" altLang="en-US" sz="1700" dirty="0" smtClean="0">
+                <a:solidFill>
+                  <a:srgbClr val="000000"/>
+                </a:solidFill>
+                <a:latin typeface="+mj-lt"/>
+              </a:rPr>
+              <a:t>Defense  </a:t>
+            </a:r>
+            <a:r>
+              <a:rPr lang="en-US" altLang="en-US" sz="1700" dirty="0">
+                <a:solidFill>
+                  <a:srgbClr val="000000"/>
+                </a:solidFill>
+                <a:latin typeface="+mj-lt"/>
+              </a:rPr>
+              <a:t>Authorization  Act  for  Fiscal  Year  2012,  Public  Law  112–81,  and </a:t>
+            </a:r>
+            <a:r>
+              <a:rPr lang="en-US" altLang="en-US" sz="1700" dirty="0" smtClean="0">
+                <a:solidFill>
+                  <a:srgbClr val="000000"/>
+                </a:solidFill>
+                <a:latin typeface="+mj-lt"/>
+              </a:rPr>
+              <a:t>consistent  </a:t>
+            </a:r>
+            <a:r>
+              <a:rPr lang="en-US" altLang="en-US" sz="1700" dirty="0">
+                <a:solidFill>
+                  <a:srgbClr val="000000"/>
+                </a:solidFill>
+                <a:latin typeface="+mj-lt"/>
+              </a:rPr>
+              <a:t>with  prior  determinations,  that  there  is  a  sufficient  supply  of </a:t>
+            </a:r>
+            <a:r>
+              <a:rPr lang="en-US" altLang="en-US" sz="1700" dirty="0" smtClean="0">
+                <a:solidFill>
+                  <a:srgbClr val="000000"/>
+                </a:solidFill>
+                <a:latin typeface="+mj-lt"/>
+              </a:rPr>
+              <a:t>petroleum  </a:t>
+            </a:r>
+            <a:r>
+              <a:rPr lang="en-US" altLang="en-US" sz="1700" dirty="0">
+                <a:solidFill>
+                  <a:srgbClr val="000000"/>
+                </a:solidFill>
+                <a:latin typeface="+mj-lt"/>
+              </a:rPr>
+              <a:t>and  petroleum  products  from  countries  other  than  Iran  to  permit </a:t>
+            </a:r>
+            <a:r>
+              <a:rPr lang="en-US" altLang="en-US" sz="1700" dirty="0" smtClean="0">
+                <a:solidFill>
+                  <a:srgbClr val="000000"/>
+                </a:solidFill>
+                <a:latin typeface="+mj-lt"/>
+              </a:rPr>
+              <a:t>a  </a:t>
+            </a:r>
+            <a:r>
+              <a:rPr lang="en-US" altLang="en-US" sz="1700" dirty="0">
+                <a:solidFill>
+                  <a:srgbClr val="000000"/>
+                </a:solidFill>
+                <a:latin typeface="+mj-lt"/>
+              </a:rPr>
+              <a:t>significant  reduction  in  the  volume  of  petroleum  and  petroleum  products </a:t>
+            </a:r>
+          </a:p>
+          <a:p>
+            <a:pPr marL="0" lvl="0" indent="0" eaLnBrk="0" fontAlgn="base" hangingPunct="0">
+              <a:lnSpc>
+                <a:spcPct val="100000"/>
+              </a:lnSpc>
+              <a:spcBef>
+                <a:spcPct val="0"/>
+              </a:spcBef>
+              <a:spcAft>
+                <a:spcPct val="0"/>
+              </a:spcAft>
+              <a:buNone/>
+            </a:pPr>
+            <a:r>
+              <a:rPr lang="en-US" altLang="en-US" sz="1700" dirty="0">
+                <a:solidFill>
+                  <a:srgbClr val="000000"/>
+                </a:solidFill>
+                <a:latin typeface="+mj-lt"/>
+              </a:rPr>
+              <a:t>purchased  from  Iran  by  or  through  foreign  financial  institutions.  As  my </a:t>
+            </a:r>
+            <a:r>
+              <a:rPr lang="en-US" altLang="en-US" sz="1700" dirty="0" smtClean="0">
+                <a:solidFill>
+                  <a:srgbClr val="000000"/>
+                </a:solidFill>
+                <a:latin typeface="+mj-lt"/>
+              </a:rPr>
+              <a:t>Administration  </a:t>
+            </a:r>
+            <a:r>
+              <a:rPr lang="en-US" altLang="en-US" sz="1700" dirty="0">
+                <a:solidFill>
+                  <a:srgbClr val="000000"/>
+                </a:solidFill>
+                <a:latin typeface="+mj-lt"/>
+              </a:rPr>
+              <a:t>conducts  a  review  of  its  Iran  policy,  and  consistent  with </a:t>
+            </a:r>
+            <a:r>
+              <a:rPr lang="en-US" altLang="en-US" sz="1700" dirty="0" smtClean="0">
+                <a:solidFill>
+                  <a:srgbClr val="000000"/>
+                </a:solidFill>
+                <a:latin typeface="+mj-lt"/>
+              </a:rPr>
+              <a:t>United  </a:t>
+            </a:r>
+            <a:r>
+              <a:rPr lang="en-US" altLang="en-US" sz="1700" dirty="0">
+                <a:solidFill>
+                  <a:srgbClr val="000000"/>
+                </a:solidFill>
+                <a:latin typeface="+mj-lt"/>
+              </a:rPr>
+              <a:t>States  commitments  specified  in  the  Joint  Comprehensive  Plan  of </a:t>
+            </a:r>
+            <a:r>
+              <a:rPr lang="en-US" altLang="en-US" sz="1700" dirty="0" smtClean="0">
+                <a:solidFill>
+                  <a:srgbClr val="000000"/>
+                </a:solidFill>
+                <a:latin typeface="+mj-lt"/>
+              </a:rPr>
+              <a:t>Action</a:t>
+            </a:r>
+            <a:r>
+              <a:rPr lang="en-US" altLang="en-US" sz="1700" dirty="0">
+                <a:solidFill>
+                  <a:srgbClr val="000000"/>
+                </a:solidFill>
+                <a:latin typeface="+mj-lt"/>
+              </a:rPr>
+              <a:t>,  however,  the  United  States  is  not  pursuing  efforts  to  reduce  Iran’s </a:t>
+            </a:r>
+            <a:r>
+              <a:rPr lang="en-US" altLang="en-US" sz="1700" dirty="0" smtClean="0">
+                <a:solidFill>
+                  <a:srgbClr val="000000"/>
+                </a:solidFill>
+                <a:latin typeface="+mj-lt"/>
+              </a:rPr>
+              <a:t>sales </a:t>
+            </a:r>
+            <a:r>
+              <a:rPr lang="en-US" altLang="en-US" sz="1700" dirty="0">
+                <a:solidFill>
+                  <a:srgbClr val="000000"/>
+                </a:solidFill>
+                <a:latin typeface="+mj-lt"/>
+              </a:rPr>
+              <a:t>of crude oil at this time. </a:t>
+            </a:r>
+            <a:r>
+              <a:rPr lang="en-US" altLang="en-US" sz="1700" dirty="0" smtClean="0">
+                <a:solidFill>
+                  <a:srgbClr val="000000"/>
+                </a:solidFill>
+                <a:latin typeface="+mj-lt"/>
+              </a:rPr>
+              <a:t>I </a:t>
+            </a:r>
+            <a:r>
+              <a:rPr lang="en-US" altLang="en-US" sz="1700" dirty="0">
+                <a:solidFill>
+                  <a:srgbClr val="000000"/>
+                </a:solidFill>
+                <a:latin typeface="+mj-lt"/>
+              </a:rPr>
+              <a:t>will continue to monitor this situation closely. </a:t>
+            </a:r>
+          </a:p>
+          <a:p>
+            <a:pPr marL="0" lvl="0" indent="0" eaLnBrk="0" fontAlgn="base" hangingPunct="0">
+              <a:lnSpc>
+                <a:spcPct val="100000"/>
+              </a:lnSpc>
+              <a:spcBef>
+                <a:spcPct val="0"/>
+              </a:spcBef>
+              <a:spcAft>
+                <a:spcPct val="0"/>
+              </a:spcAft>
+              <a:buNone/>
+            </a:pPr>
+            <a:r>
+              <a:rPr lang="en-US" altLang="en-US" sz="1700" dirty="0">
+                <a:solidFill>
+                  <a:srgbClr val="000000"/>
+                </a:solidFill>
+                <a:latin typeface="+mj-lt"/>
+              </a:rPr>
+              <a:t>The  Secretary  of  State  is  authorized  and  directed  to  publish  this  </a:t>
+            </a:r>
+            <a:r>
+              <a:rPr lang="en-US" altLang="en-US" sz="1700" dirty="0" smtClean="0">
+                <a:solidFill>
+                  <a:srgbClr val="000000"/>
+                </a:solidFill>
+                <a:latin typeface="+mj-lt"/>
+              </a:rPr>
+              <a:t>determination </a:t>
+            </a:r>
+            <a:r>
+              <a:rPr lang="en-US" altLang="en-US" sz="1700" dirty="0">
+                <a:solidFill>
+                  <a:srgbClr val="000000"/>
+                </a:solidFill>
+                <a:latin typeface="+mj-lt"/>
+              </a:rPr>
+              <a:t>in the Federal Register. </a:t>
+            </a:r>
+          </a:p>
+        </p:txBody>
+      </p:sp>
+      <p:sp>
+        <p:nvSpPr>
+          <p:cNvPr id="4" name="Rectangle 1"/>
+          <p:cNvSpPr>
+            <a:spLocks noChangeArrowheads="1"/>
+          </p:cNvSpPr>
+          <p:nvPr/>
+        </p:nvSpPr>
+        <p:spPr bwMode="auto">
+          <a:xfrm>
+            <a:off x="0" y="90100"/>
+            <a:ext cx="65" cy="276999"/>
+          </a:xfrm>
+          <a:prstGeom prst="rect">
+            <a:avLst/>
+          </a:prstGeom>
+          <a:solidFill>
+            <a:srgbClr val="FFFFFF"/>
+          </a:solidFill>
+          <a:ln>
+            <a:noFill/>
+          </a:ln>
+          <a:effectLst/>
+          <a:extLst>
+            <a:ext uri="{91240B29-F687-4F45-9708-019B960494DF}">
+              <a14:hiddenLine xmlns:a14="http://schemas.microsoft.com/office/drawing/2010/main" w="9525">
+                <a:solidFill>
+                  <a:schemeClr val="tx1"/>
+                </a:solidFill>
+                <a:miter lim="800000"/>
+                <a:headEnd/>
+                <a:tailEnd/>
+              </a14:hiddenLine>
+            </a:ext>
+            <a:ext uri="{AF507438-7753-43E0-B8FC-AC1667EBCBE1}">
+              <a14:hiddenEffects xmlns:a14="http://schemas.microsoft.com/office/drawing/2010/main">
+                <a:effectLst>
+                  <a:outerShdw dist="35921" dir="2700000" algn="ctr" rotWithShape="0">
+                    <a:schemeClr val="bg2"/>
+                  </a:outerShdw>
+                </a:effectLst>
+              </a14:hiddenEffects>
+            </a:ext>
+          </a:extLst>
+        </p:spPr>
+        <p:txBody>
+          <a:bodyPr vert="horz" wrap="none" lIns="0" tIns="0" rIns="0" bIns="0" numCol="1" anchor="ctr" anchorCtr="0" compatLnSpc="1">
+            <a:prstTxWarp prst="textNoShape">
+              <a:avLst/>
+            </a:prstTxWarp>
+            <a:spAutoFit/>
+          </a:bodyPr>
+          <a:lstStyle/>
+          <a:p>
+            <a:pPr marL="0" marR="0" lvl="0" indent="0" algn="l" defTabSz="914400" rtl="0" eaLnBrk="0" fontAlgn="base" latinLnBrk="0" hangingPunct="0">
+              <a:lnSpc>
+                <a:spcPct val="100000"/>
+              </a:lnSpc>
+              <a:spcBef>
+                <a:spcPct val="0"/>
+              </a:spcBef>
+              <a:spcAft>
+                <a:spcPct val="0"/>
+              </a:spcAft>
+              <a:buClrTx/>
+              <a:buSzTx/>
+              <a:buFontTx/>
+              <a:buNone/>
+              <a:tabLst/>
+            </a:pPr>
+            <a:endParaRPr kumimoji="0" lang="en-US" altLang="en-US" sz="1800" b="0" i="0" u="none" strike="noStrike" cap="none" normalizeH="0" baseline="0" dirty="0" smtClean="0">
+              <a:ln>
+                <a:noFill/>
+              </a:ln>
+              <a:solidFill>
+                <a:schemeClr val="tx1"/>
+              </a:solidFill>
+              <a:effectLst/>
+              <a:latin typeface="Arial" panose="020B0604020202020204" pitchFamily="34" charset="0"/>
+            </a:endParaRPr>
+          </a:p>
+        </p:txBody>
+      </p:sp>
+    </p:spTree>
+    <p:extLst>
+      <p:ext uri="{BB962C8B-B14F-4D97-AF65-F5344CB8AC3E}">
+        <p14:creationId xmlns:p14="http://schemas.microsoft.com/office/powerpoint/2010/main" val="4263925843"/>
       </p:ext>
     </p:extLst>
   </p:cSld>
@@ -3788,6 +5757,132 @@
     <p:extLst>
       <p:ext uri="{BB962C8B-B14F-4D97-AF65-F5344CB8AC3E}">
         <p14:creationId xmlns:p14="http://schemas.microsoft.com/office/powerpoint/2010/main" val="4292260081"/>
+      </p:ext>
+    </p:extLst>
+  </p:cSld>
+  <p:clrMapOvr>
+    <a:masterClrMapping/>
+  </p:clrMapOvr>
+</p:sld>
+</file>
+
+<file path=ppt/slides/slide20.xml><?xml version="1.0" encoding="utf-8"?>
+<p:sld xmlns:a="http://schemas.openxmlformats.org/drawingml/2006/main" xmlns:r="http://schemas.openxmlformats.org/officeDocument/2006/relationships" xmlns:p="http://schemas.openxmlformats.org/presentationml/2006/main">
+  <p:cSld>
+    <p:spTree>
+      <p:nvGrpSpPr>
+        <p:cNvPr id="1" name=""/>
+        <p:cNvGrpSpPr/>
+        <p:nvPr/>
+      </p:nvGrpSpPr>
+      <p:grpSpPr>
+        <a:xfrm>
+          <a:off x="0" y="0"/>
+          <a:ext cx="0" cy="0"/>
+          <a:chOff x="0" y="0"/>
+          <a:chExt cx="0" cy="0"/>
+        </a:xfrm>
+      </p:grpSpPr>
+      <p:sp>
+        <p:nvSpPr>
+          <p:cNvPr id="2" name="Title 1"/>
+          <p:cNvSpPr>
+            <a:spLocks noGrp="1"/>
+          </p:cNvSpPr>
+          <p:nvPr>
+            <p:ph type="title"/>
+          </p:nvPr>
+        </p:nvSpPr>
+        <p:spPr/>
+        <p:txBody>
+          <a:bodyPr/>
+          <a:lstStyle/>
+          <a:p>
+            <a:r>
+              <a:rPr lang="en-US" smtClean="0"/>
+              <a:t>Conclusion</a:t>
+            </a:r>
+            <a:endParaRPr lang="en-US"/>
+          </a:p>
+        </p:txBody>
+      </p:sp>
+      <p:sp>
+        <p:nvSpPr>
+          <p:cNvPr id="3" name="Content Placeholder 2"/>
+          <p:cNvSpPr>
+            <a:spLocks noGrp="1"/>
+          </p:cNvSpPr>
+          <p:nvPr>
+            <p:ph idx="1"/>
+          </p:nvPr>
+        </p:nvSpPr>
+        <p:spPr/>
+        <p:txBody>
+          <a:bodyPr/>
+          <a:lstStyle/>
+          <a:p>
+            <a:pPr marL="0" indent="0">
+              <a:buNone/>
+            </a:pPr>
+            <a:r>
+              <a:rPr lang="en-US" dirty="0"/>
+              <a:t>All of the documents in the first group are about Iran, including 3 tweets and 1 federal document. </a:t>
+            </a:r>
+            <a:endParaRPr lang="en-US" dirty="0" smtClean="0"/>
+          </a:p>
+          <a:p>
+            <a:pPr marL="0" indent="0">
+              <a:buNone/>
+            </a:pPr>
+            <a:r>
+              <a:rPr lang="en-US" dirty="0" smtClean="0"/>
+              <a:t>However</a:t>
+            </a:r>
+            <a:r>
+              <a:rPr lang="en-US" dirty="0"/>
+              <a:t>, only 7 unique groups were generated using this </a:t>
+            </a:r>
+            <a:r>
+              <a:rPr lang="en-US" dirty="0" smtClean="0"/>
+              <a:t>method.</a:t>
+            </a:r>
+          </a:p>
+          <a:p>
+            <a:pPr marL="0" indent="0">
+              <a:buNone/>
+            </a:pPr>
+            <a:r>
+              <a:rPr lang="en-US" dirty="0" smtClean="0"/>
+              <a:t>So </a:t>
+            </a:r>
+            <a:r>
+              <a:rPr lang="en-US" dirty="0"/>
+              <a:t>although I did find tweets that are similar to </a:t>
+            </a:r>
+            <a:r>
+              <a:rPr lang="en-US" dirty="0" err="1"/>
+              <a:t>offical</a:t>
+            </a:r>
+            <a:r>
+              <a:rPr lang="en-US" dirty="0"/>
+              <a:t> action taken by the president, I don't think there is enough evidence to support the theory that tweets are an indicator of </a:t>
+            </a:r>
+            <a:r>
+              <a:rPr lang="en-US" dirty="0" err="1"/>
+              <a:t>offical</a:t>
+            </a:r>
+            <a:r>
+              <a:rPr lang="en-US" dirty="0"/>
+              <a:t> action.</a:t>
+            </a:r>
+            <a:endParaRPr lang="en-US" dirty="0"/>
+          </a:p>
+        </p:txBody>
+      </p:sp>
+    </p:spTree>
+    <p:extLst>
+      <p:ext uri="{BB962C8B-B14F-4D97-AF65-F5344CB8AC3E}">
+        <p14:creationId xmlns:p14="http://schemas.microsoft.com/office/powerpoint/2010/main" val="4209554113"/>
       </p:ext>
     </p:extLst>
   </p:cSld>
@@ -5073,7 +7168,69 @@
           <a:bodyPr/>
           <a:lstStyle/>
           <a:p>
-            <a:endParaRPr lang="en-US" dirty="0"/>
+            <a:r>
+              <a:rPr lang="en-US" dirty="0" smtClean="0"/>
+              <a:t>Frequency plot</a:t>
+            </a:r>
+          </a:p>
+          <a:p>
+            <a:pPr lvl="1"/>
+            <a:r>
+              <a:rPr lang="en-US" dirty="0" smtClean="0"/>
+              <a:t>Most tweeted words</a:t>
+            </a:r>
+          </a:p>
+          <a:p>
+            <a:pPr lvl="1"/>
+            <a:r>
+              <a:rPr lang="en-US" dirty="0" smtClean="0"/>
+              <a:t>Most common words in federal documents</a:t>
+            </a:r>
+          </a:p>
+          <a:p>
+            <a:pPr lvl="2"/>
+            <a:endParaRPr lang="en-US" dirty="0" smtClean="0"/>
+          </a:p>
+          <a:p>
+            <a:r>
+              <a:rPr lang="en-US" dirty="0" smtClean="0"/>
+              <a:t>Word Document Frequency </a:t>
+            </a:r>
+          </a:p>
+          <a:p>
+            <a:pPr lvl="1"/>
+            <a:r>
+              <a:rPr lang="en-US" dirty="0" smtClean="0"/>
+              <a:t>Definition: How many documents in which a word appears</a:t>
+            </a:r>
+          </a:p>
+          <a:p>
+            <a:pPr lvl="1"/>
+            <a:r>
+              <a:rPr lang="en-US" dirty="0" smtClean="0"/>
+              <a:t>Plots:</a:t>
+            </a:r>
+          </a:p>
+          <a:p>
+            <a:pPr lvl="2"/>
+            <a:r>
+              <a:rPr lang="en-US" dirty="0" smtClean="0"/>
+              <a:t>Most frequent words in federal documents that ALSO occur in tweets</a:t>
+            </a:r>
+          </a:p>
+          <a:p>
+            <a:pPr lvl="2"/>
+            <a:r>
+              <a:rPr lang="en-US" dirty="0" smtClean="0"/>
+              <a:t>Most frequent words that occur in tweets that ALSO occur in federal document</a:t>
+            </a:r>
+          </a:p>
+          <a:p>
+            <a:pPr lvl="2"/>
+            <a:r>
+              <a:rPr lang="en-US" dirty="0" smtClean="0"/>
+              <a:t>Words that have the same document frequency for both federal and twitter documents</a:t>
+            </a:r>
           </a:p>
         </p:txBody>
       </p:sp>
@@ -5126,8 +7283,8 @@
         </p:nvSpPr>
         <p:spPr>
           <a:xfrm>
-            <a:off x="838199" y="-265944"/>
-            <a:ext cx="10515600" cy="1325563"/>
+            <a:off x="263512" y="1342577"/>
+            <a:ext cx="2411897" cy="1593808"/>
           </a:xfrm>
         </p:spPr>
         <p:txBody>
@@ -5165,8 +7322,8 @@
         </p:blipFill>
         <p:spPr>
           <a:xfrm>
-            <a:off x="2087647" y="888644"/>
-            <a:ext cx="8016704" cy="5726218"/>
+            <a:off x="3183620" y="296217"/>
+            <a:ext cx="9008380" cy="6434558"/>
           </a:xfrm>
           <a:prstGeom prst="rect">
             <a:avLst/>
@@ -5213,8 +7370,8 @@
         </p:nvSpPr>
         <p:spPr>
           <a:xfrm>
-            <a:off x="838199" y="-265944"/>
-            <a:ext cx="10515600" cy="1325563"/>
+            <a:off x="9878096" y="2528771"/>
+            <a:ext cx="2158284" cy="1373527"/>
           </a:xfrm>
           <a:prstGeom prst="rect">
             <a:avLst/>
@@ -5283,8 +7440,8 @@
         </p:blipFill>
         <p:spPr>
           <a:xfrm>
-            <a:off x="1929147" y="725050"/>
-            <a:ext cx="8333704" cy="5952646"/>
+            <a:off x="319288" y="115911"/>
+            <a:ext cx="9312714" cy="6651939"/>
           </a:xfrm>
           <a:prstGeom prst="rect">
             <a:avLst/>
